--- a/Containers_from_scratch.pptx
+++ b/Containers_from_scratch.pptx
@@ -8,9 +8,10 @@
     <p:sldId id="256" r:id="rId2"/>
     <p:sldId id="257" r:id="rId3"/>
     <p:sldId id="258" r:id="rId4"/>
-    <p:sldId id="259" r:id="rId5"/>
-    <p:sldId id="260" r:id="rId6"/>
-    <p:sldId id="261" r:id="rId7"/>
+    <p:sldId id="262" r:id="rId5"/>
+    <p:sldId id="259" r:id="rId6"/>
+    <p:sldId id="260" r:id="rId7"/>
+    <p:sldId id="261" r:id="rId8"/>
   </p:sldIdLst>
   <p:sldSz cx="12192000" cy="6858000"/>
   <p:notesSz cx="6858000" cy="9144000"/>
@@ -139,7 +140,3809 @@
       </a:defRPr>
     </a:lvl9pPr>
   </p:defaultTextStyle>
+  <p:extLst>
+    <p:ext uri="{EFAFB233-063F-42B5-8137-9DF3F51BA10A}">
+      <p15:sldGuideLst xmlns:p15="http://schemas.microsoft.com/office/powerpoint/2012/main"/>
+    </p:ext>
+  </p:extLst>
 </p:presentation>
+</file>
+
+<file path=ppt/diagrams/colors1.xml><?xml version="1.0" encoding="utf-8"?>
+<dgm:colorsDef xmlns:dgm="http://schemas.openxmlformats.org/drawingml/2006/diagram" xmlns:a="http://schemas.openxmlformats.org/drawingml/2006/main" uniqueId="urn:microsoft.com/office/officeart/2005/8/colors/accent1_2">
+  <dgm:title val=""/>
+  <dgm:desc val=""/>
+  <dgm:catLst>
+    <dgm:cat type="accent1" pri="11200"/>
+  </dgm:catLst>
+  <dgm:styleLbl name="node0">
+    <dgm:fillClrLst meth="repeat">
+      <a:schemeClr val="accent1"/>
+    </dgm:fillClrLst>
+    <dgm:linClrLst meth="repeat">
+      <a:schemeClr val="lt1"/>
+    </dgm:linClrLst>
+    <dgm:effectClrLst/>
+    <dgm:txLinClrLst/>
+    <dgm:txFillClrLst/>
+    <dgm:txEffectClrLst/>
+  </dgm:styleLbl>
+  <dgm:styleLbl name="alignNode1">
+    <dgm:fillClrLst meth="repeat">
+      <a:schemeClr val="accent1"/>
+    </dgm:fillClrLst>
+    <dgm:linClrLst meth="repeat">
+      <a:schemeClr val="accent1"/>
+    </dgm:linClrLst>
+    <dgm:effectClrLst/>
+    <dgm:txLinClrLst/>
+    <dgm:txFillClrLst/>
+    <dgm:txEffectClrLst/>
+  </dgm:styleLbl>
+  <dgm:styleLbl name="node1">
+    <dgm:fillClrLst meth="repeat">
+      <a:schemeClr val="accent1"/>
+    </dgm:fillClrLst>
+    <dgm:linClrLst meth="repeat">
+      <a:schemeClr val="lt1"/>
+    </dgm:linClrLst>
+    <dgm:effectClrLst/>
+    <dgm:txLinClrLst/>
+    <dgm:txFillClrLst/>
+    <dgm:txEffectClrLst/>
+  </dgm:styleLbl>
+  <dgm:styleLbl name="lnNode1">
+    <dgm:fillClrLst meth="repeat">
+      <a:schemeClr val="accent1"/>
+    </dgm:fillClrLst>
+    <dgm:linClrLst meth="repeat">
+      <a:schemeClr val="lt1"/>
+    </dgm:linClrLst>
+    <dgm:effectClrLst/>
+    <dgm:txLinClrLst/>
+    <dgm:txFillClrLst/>
+    <dgm:txEffectClrLst/>
+  </dgm:styleLbl>
+  <dgm:styleLbl name="vennNode1">
+    <dgm:fillClrLst meth="repeat">
+      <a:schemeClr val="accent1">
+        <a:alpha val="50000"/>
+      </a:schemeClr>
+    </dgm:fillClrLst>
+    <dgm:linClrLst meth="repeat">
+      <a:schemeClr val="lt1"/>
+    </dgm:linClrLst>
+    <dgm:effectClrLst/>
+    <dgm:txLinClrLst/>
+    <dgm:txFillClrLst/>
+    <dgm:txEffectClrLst/>
+  </dgm:styleLbl>
+  <dgm:styleLbl name="node2">
+    <dgm:fillClrLst meth="repeat">
+      <a:schemeClr val="accent1"/>
+    </dgm:fillClrLst>
+    <dgm:linClrLst meth="repeat">
+      <a:schemeClr val="lt1"/>
+    </dgm:linClrLst>
+    <dgm:effectClrLst/>
+    <dgm:txLinClrLst/>
+    <dgm:txFillClrLst/>
+    <dgm:txEffectClrLst/>
+  </dgm:styleLbl>
+  <dgm:styleLbl name="node3">
+    <dgm:fillClrLst meth="repeat">
+      <a:schemeClr val="accent1"/>
+    </dgm:fillClrLst>
+    <dgm:linClrLst meth="repeat">
+      <a:schemeClr val="lt1"/>
+    </dgm:linClrLst>
+    <dgm:effectClrLst/>
+    <dgm:txLinClrLst/>
+    <dgm:txFillClrLst/>
+    <dgm:txEffectClrLst/>
+  </dgm:styleLbl>
+  <dgm:styleLbl name="node4">
+    <dgm:fillClrLst meth="repeat">
+      <a:schemeClr val="accent1"/>
+    </dgm:fillClrLst>
+    <dgm:linClrLst meth="repeat">
+      <a:schemeClr val="lt1"/>
+    </dgm:linClrLst>
+    <dgm:effectClrLst/>
+    <dgm:txLinClrLst/>
+    <dgm:txFillClrLst/>
+    <dgm:txEffectClrLst/>
+  </dgm:styleLbl>
+  <dgm:styleLbl name="fgImgPlace1">
+    <dgm:fillClrLst meth="repeat">
+      <a:schemeClr val="accent1">
+        <a:tint val="50000"/>
+      </a:schemeClr>
+    </dgm:fillClrLst>
+    <dgm:linClrLst meth="repeat">
+      <a:schemeClr val="lt1"/>
+    </dgm:linClrLst>
+    <dgm:effectClrLst/>
+    <dgm:txLinClrLst/>
+    <dgm:txFillClrLst meth="repeat">
+      <a:schemeClr val="lt1"/>
+    </dgm:txFillClrLst>
+    <dgm:txEffectClrLst/>
+  </dgm:styleLbl>
+  <dgm:styleLbl name="alignImgPlace1">
+    <dgm:fillClrLst meth="repeat">
+      <a:schemeClr val="accent1">
+        <a:tint val="50000"/>
+      </a:schemeClr>
+    </dgm:fillClrLst>
+    <dgm:linClrLst meth="repeat">
+      <a:schemeClr val="lt1"/>
+    </dgm:linClrLst>
+    <dgm:effectClrLst/>
+    <dgm:txLinClrLst/>
+    <dgm:txFillClrLst meth="repeat">
+      <a:schemeClr val="lt1"/>
+    </dgm:txFillClrLst>
+    <dgm:txEffectClrLst/>
+  </dgm:styleLbl>
+  <dgm:styleLbl name="bgImgPlace1">
+    <dgm:fillClrLst meth="repeat">
+      <a:schemeClr val="accent1">
+        <a:tint val="50000"/>
+      </a:schemeClr>
+    </dgm:fillClrLst>
+    <dgm:linClrLst meth="repeat">
+      <a:schemeClr val="lt1"/>
+    </dgm:linClrLst>
+    <dgm:effectClrLst/>
+    <dgm:txLinClrLst/>
+    <dgm:txFillClrLst meth="repeat">
+      <a:schemeClr val="lt1"/>
+    </dgm:txFillClrLst>
+    <dgm:txEffectClrLst/>
+  </dgm:styleLbl>
+  <dgm:styleLbl name="sibTrans2D1">
+    <dgm:fillClrLst meth="repeat">
+      <a:schemeClr val="accent1">
+        <a:tint val="60000"/>
+      </a:schemeClr>
+    </dgm:fillClrLst>
+    <dgm:linClrLst meth="repeat">
+      <a:schemeClr val="accent1">
+        <a:tint val="60000"/>
+      </a:schemeClr>
+    </dgm:linClrLst>
+    <dgm:effectClrLst/>
+    <dgm:txLinClrLst/>
+    <dgm:txFillClrLst/>
+    <dgm:txEffectClrLst/>
+  </dgm:styleLbl>
+  <dgm:styleLbl name="fgSibTrans2D1">
+    <dgm:fillClrLst meth="repeat">
+      <a:schemeClr val="accent1">
+        <a:tint val="60000"/>
+      </a:schemeClr>
+    </dgm:fillClrLst>
+    <dgm:linClrLst meth="repeat">
+      <a:schemeClr val="accent1">
+        <a:tint val="60000"/>
+      </a:schemeClr>
+    </dgm:linClrLst>
+    <dgm:effectClrLst/>
+    <dgm:txLinClrLst/>
+    <dgm:txFillClrLst/>
+    <dgm:txEffectClrLst/>
+  </dgm:styleLbl>
+  <dgm:styleLbl name="bgSibTrans2D1">
+    <dgm:fillClrLst meth="repeat">
+      <a:schemeClr val="accent1">
+        <a:tint val="60000"/>
+      </a:schemeClr>
+    </dgm:fillClrLst>
+    <dgm:linClrLst meth="repeat">
+      <a:schemeClr val="accent1">
+        <a:tint val="60000"/>
+      </a:schemeClr>
+    </dgm:linClrLst>
+    <dgm:effectClrLst/>
+    <dgm:txLinClrLst/>
+    <dgm:txFillClrLst/>
+    <dgm:txEffectClrLst/>
+  </dgm:styleLbl>
+  <dgm:styleLbl name="sibTrans1D1">
+    <dgm:fillClrLst meth="repeat">
+      <a:schemeClr val="accent1"/>
+    </dgm:fillClrLst>
+    <dgm:linClrLst meth="repeat">
+      <a:schemeClr val="accent1"/>
+    </dgm:linClrLst>
+    <dgm:effectClrLst/>
+    <dgm:txLinClrLst/>
+    <dgm:txFillClrLst meth="repeat">
+      <a:schemeClr val="tx1"/>
+    </dgm:txFillClrLst>
+    <dgm:txEffectClrLst/>
+  </dgm:styleLbl>
+  <dgm:styleLbl name="callout">
+    <dgm:fillClrLst meth="repeat">
+      <a:schemeClr val="accent1"/>
+    </dgm:fillClrLst>
+    <dgm:linClrLst meth="repeat">
+      <a:schemeClr val="accent1">
+        <a:tint val="50000"/>
+      </a:schemeClr>
+    </dgm:linClrLst>
+    <dgm:effectClrLst/>
+    <dgm:txLinClrLst/>
+    <dgm:txFillClrLst meth="repeat">
+      <a:schemeClr val="tx1"/>
+    </dgm:txFillClrLst>
+    <dgm:txEffectClrLst/>
+  </dgm:styleLbl>
+  <dgm:styleLbl name="asst0">
+    <dgm:fillClrLst meth="repeat">
+      <a:schemeClr val="accent1"/>
+    </dgm:fillClrLst>
+    <dgm:linClrLst meth="repeat">
+      <a:schemeClr val="lt1"/>
+    </dgm:linClrLst>
+    <dgm:effectClrLst/>
+    <dgm:txLinClrLst/>
+    <dgm:txFillClrLst/>
+    <dgm:txEffectClrLst/>
+  </dgm:styleLbl>
+  <dgm:styleLbl name="asst1">
+    <dgm:fillClrLst meth="repeat">
+      <a:schemeClr val="accent1"/>
+    </dgm:fillClrLst>
+    <dgm:linClrLst meth="repeat">
+      <a:schemeClr val="lt1"/>
+    </dgm:linClrLst>
+    <dgm:effectClrLst/>
+    <dgm:txLinClrLst/>
+    <dgm:txFillClrLst/>
+    <dgm:txEffectClrLst/>
+  </dgm:styleLbl>
+  <dgm:styleLbl name="asst2">
+    <dgm:fillClrLst meth="repeat">
+      <a:schemeClr val="accent1"/>
+    </dgm:fillClrLst>
+    <dgm:linClrLst meth="repeat">
+      <a:schemeClr val="lt1"/>
+    </dgm:linClrLst>
+    <dgm:effectClrLst/>
+    <dgm:txLinClrLst/>
+    <dgm:txFillClrLst/>
+    <dgm:txEffectClrLst/>
+  </dgm:styleLbl>
+  <dgm:styleLbl name="asst3">
+    <dgm:fillClrLst meth="repeat">
+      <a:schemeClr val="accent1"/>
+    </dgm:fillClrLst>
+    <dgm:linClrLst meth="repeat">
+      <a:schemeClr val="lt1"/>
+    </dgm:linClrLst>
+    <dgm:effectClrLst/>
+    <dgm:txLinClrLst/>
+    <dgm:txFillClrLst/>
+    <dgm:txEffectClrLst/>
+  </dgm:styleLbl>
+  <dgm:styleLbl name="asst4">
+    <dgm:fillClrLst meth="repeat">
+      <a:schemeClr val="accent1"/>
+    </dgm:fillClrLst>
+    <dgm:linClrLst meth="repeat">
+      <a:schemeClr val="lt1"/>
+    </dgm:linClrLst>
+    <dgm:effectClrLst/>
+    <dgm:txLinClrLst/>
+    <dgm:txFillClrLst/>
+    <dgm:txEffectClrLst/>
+  </dgm:styleLbl>
+  <dgm:styleLbl name="parChTrans2D1">
+    <dgm:fillClrLst meth="repeat">
+      <a:schemeClr val="accent1">
+        <a:tint val="60000"/>
+      </a:schemeClr>
+    </dgm:fillClrLst>
+    <dgm:linClrLst meth="repeat">
+      <a:schemeClr val="accent1">
+        <a:tint val="60000"/>
+      </a:schemeClr>
+    </dgm:linClrLst>
+    <dgm:effectClrLst/>
+    <dgm:txLinClrLst/>
+    <dgm:txFillClrLst meth="repeat">
+      <a:schemeClr val="lt1"/>
+    </dgm:txFillClrLst>
+    <dgm:txEffectClrLst/>
+  </dgm:styleLbl>
+  <dgm:styleLbl name="parChTrans2D2">
+    <dgm:fillClrLst meth="repeat">
+      <a:schemeClr val="accent1"/>
+    </dgm:fillClrLst>
+    <dgm:linClrLst meth="repeat">
+      <a:schemeClr val="accent1"/>
+    </dgm:linClrLst>
+    <dgm:effectClrLst/>
+    <dgm:txLinClrLst/>
+    <dgm:txFillClrLst meth="repeat">
+      <a:schemeClr val="lt1"/>
+    </dgm:txFillClrLst>
+    <dgm:txEffectClrLst/>
+  </dgm:styleLbl>
+  <dgm:styleLbl name="parChTrans2D3">
+    <dgm:fillClrLst meth="repeat">
+      <a:schemeClr val="accent1"/>
+    </dgm:fillClrLst>
+    <dgm:linClrLst meth="repeat">
+      <a:schemeClr val="accent1"/>
+    </dgm:linClrLst>
+    <dgm:effectClrLst/>
+    <dgm:txLinClrLst/>
+    <dgm:txFillClrLst meth="repeat">
+      <a:schemeClr val="lt1"/>
+    </dgm:txFillClrLst>
+    <dgm:txEffectClrLst/>
+  </dgm:styleLbl>
+  <dgm:styleLbl name="parChTrans2D4">
+    <dgm:fillClrLst meth="repeat">
+      <a:schemeClr val="accent1"/>
+    </dgm:fillClrLst>
+    <dgm:linClrLst meth="repeat">
+      <a:schemeClr val="accent1"/>
+    </dgm:linClrLst>
+    <dgm:effectClrLst/>
+    <dgm:txLinClrLst/>
+    <dgm:txFillClrLst meth="repeat">
+      <a:schemeClr val="lt1"/>
+    </dgm:txFillClrLst>
+    <dgm:txEffectClrLst/>
+  </dgm:styleLbl>
+  <dgm:styleLbl name="parChTrans1D1">
+    <dgm:fillClrLst meth="repeat">
+      <a:schemeClr val="accent1"/>
+    </dgm:fillClrLst>
+    <dgm:linClrLst meth="repeat">
+      <a:schemeClr val="accent1">
+        <a:shade val="60000"/>
+      </a:schemeClr>
+    </dgm:linClrLst>
+    <dgm:effectClrLst/>
+    <dgm:txLinClrLst/>
+    <dgm:txFillClrLst meth="repeat">
+      <a:schemeClr val="tx1"/>
+    </dgm:txFillClrLst>
+    <dgm:txEffectClrLst/>
+  </dgm:styleLbl>
+  <dgm:styleLbl name="parChTrans1D2">
+    <dgm:fillClrLst meth="repeat">
+      <a:schemeClr val="accent1"/>
+    </dgm:fillClrLst>
+    <dgm:linClrLst meth="repeat">
+      <a:schemeClr val="accent1">
+        <a:shade val="60000"/>
+      </a:schemeClr>
+    </dgm:linClrLst>
+    <dgm:effectClrLst/>
+    <dgm:txLinClrLst/>
+    <dgm:txFillClrLst meth="repeat">
+      <a:schemeClr val="tx1"/>
+    </dgm:txFillClrLst>
+    <dgm:txEffectClrLst/>
+  </dgm:styleLbl>
+  <dgm:styleLbl name="parChTrans1D3">
+    <dgm:fillClrLst meth="repeat">
+      <a:schemeClr val="accent1"/>
+    </dgm:fillClrLst>
+    <dgm:linClrLst meth="repeat">
+      <a:schemeClr val="accent1">
+        <a:shade val="80000"/>
+      </a:schemeClr>
+    </dgm:linClrLst>
+    <dgm:effectClrLst/>
+    <dgm:txLinClrLst/>
+    <dgm:txFillClrLst meth="repeat">
+      <a:schemeClr val="tx1"/>
+    </dgm:txFillClrLst>
+    <dgm:txEffectClrLst/>
+  </dgm:styleLbl>
+  <dgm:styleLbl name="parChTrans1D4">
+    <dgm:fillClrLst meth="repeat">
+      <a:schemeClr val="accent1"/>
+    </dgm:fillClrLst>
+    <dgm:linClrLst meth="repeat">
+      <a:schemeClr val="accent1">
+        <a:shade val="80000"/>
+      </a:schemeClr>
+    </dgm:linClrLst>
+    <dgm:effectClrLst/>
+    <dgm:txLinClrLst/>
+    <dgm:txFillClrLst meth="repeat">
+      <a:schemeClr val="tx1"/>
+    </dgm:txFillClrLst>
+    <dgm:txEffectClrLst/>
+  </dgm:styleLbl>
+  <dgm:styleLbl name="fgAcc1">
+    <dgm:fillClrLst meth="repeat">
+      <a:schemeClr val="lt1">
+        <a:alpha val="90000"/>
+      </a:schemeClr>
+    </dgm:fillClrLst>
+    <dgm:linClrLst meth="repeat">
+      <a:schemeClr val="accent1"/>
+    </dgm:linClrLst>
+    <dgm:effectClrLst/>
+    <dgm:txLinClrLst/>
+    <dgm:txFillClrLst meth="repeat">
+      <a:schemeClr val="dk1"/>
+    </dgm:txFillClrLst>
+    <dgm:txEffectClrLst/>
+  </dgm:styleLbl>
+  <dgm:styleLbl name="conFgAcc1">
+    <dgm:fillClrLst meth="repeat">
+      <a:schemeClr val="lt1">
+        <a:alpha val="90000"/>
+      </a:schemeClr>
+    </dgm:fillClrLst>
+    <dgm:linClrLst meth="repeat">
+      <a:schemeClr val="accent1"/>
+    </dgm:linClrLst>
+    <dgm:effectClrLst/>
+    <dgm:txLinClrLst/>
+    <dgm:txFillClrLst meth="repeat">
+      <a:schemeClr val="dk1"/>
+    </dgm:txFillClrLst>
+    <dgm:txEffectClrLst/>
+  </dgm:styleLbl>
+  <dgm:styleLbl name="alignAcc1">
+    <dgm:fillClrLst meth="repeat">
+      <a:schemeClr val="lt1">
+        <a:alpha val="90000"/>
+      </a:schemeClr>
+    </dgm:fillClrLst>
+    <dgm:linClrLst meth="repeat">
+      <a:schemeClr val="accent1"/>
+    </dgm:linClrLst>
+    <dgm:effectClrLst/>
+    <dgm:txLinClrLst/>
+    <dgm:txFillClrLst meth="repeat">
+      <a:schemeClr val="dk1"/>
+    </dgm:txFillClrLst>
+    <dgm:txEffectClrLst/>
+  </dgm:styleLbl>
+  <dgm:styleLbl name="trAlignAcc1">
+    <dgm:fillClrLst meth="repeat">
+      <a:schemeClr val="lt1">
+        <a:alpha val="40000"/>
+      </a:schemeClr>
+    </dgm:fillClrLst>
+    <dgm:linClrLst meth="repeat">
+      <a:schemeClr val="accent1"/>
+    </dgm:linClrLst>
+    <dgm:effectClrLst/>
+    <dgm:txLinClrLst/>
+    <dgm:txFillClrLst meth="repeat">
+      <a:schemeClr val="dk1"/>
+    </dgm:txFillClrLst>
+    <dgm:txEffectClrLst/>
+  </dgm:styleLbl>
+  <dgm:styleLbl name="bgAcc1">
+    <dgm:fillClrLst meth="repeat">
+      <a:schemeClr val="lt1">
+        <a:alpha val="90000"/>
+      </a:schemeClr>
+    </dgm:fillClrLst>
+    <dgm:linClrLst meth="repeat">
+      <a:schemeClr val="accent1"/>
+    </dgm:linClrLst>
+    <dgm:effectClrLst/>
+    <dgm:txLinClrLst/>
+    <dgm:txFillClrLst meth="repeat">
+      <a:schemeClr val="dk1"/>
+    </dgm:txFillClrLst>
+    <dgm:txEffectClrLst/>
+  </dgm:styleLbl>
+  <dgm:styleLbl name="solidFgAcc1">
+    <dgm:fillClrLst meth="repeat">
+      <a:schemeClr val="lt1"/>
+    </dgm:fillClrLst>
+    <dgm:linClrLst meth="repeat">
+      <a:schemeClr val="accent1"/>
+    </dgm:linClrLst>
+    <dgm:effectClrLst/>
+    <dgm:txLinClrLst/>
+    <dgm:txFillClrLst meth="repeat">
+      <a:schemeClr val="dk1"/>
+    </dgm:txFillClrLst>
+    <dgm:txEffectClrLst/>
+  </dgm:styleLbl>
+  <dgm:styleLbl name="solidAlignAcc1">
+    <dgm:fillClrLst meth="repeat">
+      <a:schemeClr val="lt1"/>
+    </dgm:fillClrLst>
+    <dgm:linClrLst meth="repeat">
+      <a:schemeClr val="accent1"/>
+    </dgm:linClrLst>
+    <dgm:effectClrLst/>
+    <dgm:txLinClrLst/>
+    <dgm:txFillClrLst meth="repeat">
+      <a:schemeClr val="dk1"/>
+    </dgm:txFillClrLst>
+    <dgm:txEffectClrLst/>
+  </dgm:styleLbl>
+  <dgm:styleLbl name="solidBgAcc1">
+    <dgm:fillClrLst meth="repeat">
+      <a:schemeClr val="lt1"/>
+    </dgm:fillClrLst>
+    <dgm:linClrLst meth="repeat">
+      <a:schemeClr val="accent1"/>
+    </dgm:linClrLst>
+    <dgm:effectClrLst/>
+    <dgm:txLinClrLst/>
+    <dgm:txFillClrLst meth="repeat">
+      <a:schemeClr val="dk1"/>
+    </dgm:txFillClrLst>
+    <dgm:txEffectClrLst/>
+  </dgm:styleLbl>
+  <dgm:styleLbl name="fgAccFollowNode1">
+    <dgm:fillClrLst meth="repeat">
+      <a:schemeClr val="accent1">
+        <a:alpha val="90000"/>
+        <a:tint val="40000"/>
+      </a:schemeClr>
+    </dgm:fillClrLst>
+    <dgm:linClrLst meth="repeat">
+      <a:schemeClr val="accent1">
+        <a:alpha val="90000"/>
+        <a:tint val="40000"/>
+      </a:schemeClr>
+    </dgm:linClrLst>
+    <dgm:effectClrLst/>
+    <dgm:txLinClrLst/>
+    <dgm:txFillClrLst meth="repeat">
+      <a:schemeClr val="dk1"/>
+    </dgm:txFillClrLst>
+    <dgm:txEffectClrLst/>
+  </dgm:styleLbl>
+  <dgm:styleLbl name="alignAccFollowNode1">
+    <dgm:fillClrLst meth="repeat">
+      <a:schemeClr val="accent1">
+        <a:alpha val="90000"/>
+        <a:tint val="40000"/>
+      </a:schemeClr>
+    </dgm:fillClrLst>
+    <dgm:linClrLst meth="repeat">
+      <a:schemeClr val="accent1">
+        <a:alpha val="90000"/>
+        <a:tint val="40000"/>
+      </a:schemeClr>
+    </dgm:linClrLst>
+    <dgm:effectClrLst/>
+    <dgm:txLinClrLst/>
+    <dgm:txFillClrLst meth="repeat">
+      <a:schemeClr val="dk1"/>
+    </dgm:txFillClrLst>
+    <dgm:txEffectClrLst/>
+  </dgm:styleLbl>
+  <dgm:styleLbl name="bgAccFollowNode1">
+    <dgm:fillClrLst meth="repeat">
+      <a:schemeClr val="accent1">
+        <a:alpha val="90000"/>
+        <a:tint val="40000"/>
+      </a:schemeClr>
+    </dgm:fillClrLst>
+    <dgm:linClrLst meth="repeat">
+      <a:schemeClr val="accent1">
+        <a:alpha val="90000"/>
+        <a:tint val="40000"/>
+      </a:schemeClr>
+    </dgm:linClrLst>
+    <dgm:effectClrLst/>
+    <dgm:txLinClrLst/>
+    <dgm:txFillClrLst meth="repeat">
+      <a:schemeClr val="dk1"/>
+    </dgm:txFillClrLst>
+    <dgm:txEffectClrLst/>
+  </dgm:styleLbl>
+  <dgm:styleLbl name="fgAcc0">
+    <dgm:fillClrLst meth="repeat">
+      <a:schemeClr val="lt1">
+        <a:alpha val="90000"/>
+      </a:schemeClr>
+    </dgm:fillClrLst>
+    <dgm:linClrLst meth="repeat">
+      <a:schemeClr val="accent1"/>
+    </dgm:linClrLst>
+    <dgm:effectClrLst/>
+    <dgm:txLinClrLst/>
+    <dgm:txFillClrLst meth="repeat">
+      <a:schemeClr val="dk1"/>
+    </dgm:txFillClrLst>
+    <dgm:txEffectClrLst/>
+  </dgm:styleLbl>
+  <dgm:styleLbl name="fgAcc2">
+    <dgm:fillClrLst meth="repeat">
+      <a:schemeClr val="lt1">
+        <a:alpha val="90000"/>
+      </a:schemeClr>
+    </dgm:fillClrLst>
+    <dgm:linClrLst meth="repeat">
+      <a:schemeClr val="accent1"/>
+    </dgm:linClrLst>
+    <dgm:effectClrLst/>
+    <dgm:txLinClrLst/>
+    <dgm:txFillClrLst meth="repeat">
+      <a:schemeClr val="dk1"/>
+    </dgm:txFillClrLst>
+    <dgm:txEffectClrLst/>
+  </dgm:styleLbl>
+  <dgm:styleLbl name="fgAcc3">
+    <dgm:fillClrLst meth="repeat">
+      <a:schemeClr val="lt1">
+        <a:alpha val="90000"/>
+      </a:schemeClr>
+    </dgm:fillClrLst>
+    <dgm:linClrLst meth="repeat">
+      <a:schemeClr val="accent1"/>
+    </dgm:linClrLst>
+    <dgm:effectClrLst/>
+    <dgm:txLinClrLst/>
+    <dgm:txFillClrLst meth="repeat">
+      <a:schemeClr val="dk1"/>
+    </dgm:txFillClrLst>
+    <dgm:txEffectClrLst/>
+  </dgm:styleLbl>
+  <dgm:styleLbl name="fgAcc4">
+    <dgm:fillClrLst meth="repeat">
+      <a:schemeClr val="lt1">
+        <a:alpha val="90000"/>
+      </a:schemeClr>
+    </dgm:fillClrLst>
+    <dgm:linClrLst meth="repeat">
+      <a:schemeClr val="accent1"/>
+    </dgm:linClrLst>
+    <dgm:effectClrLst/>
+    <dgm:txLinClrLst/>
+    <dgm:txFillClrLst meth="repeat">
+      <a:schemeClr val="dk1"/>
+    </dgm:txFillClrLst>
+    <dgm:txEffectClrLst/>
+  </dgm:styleLbl>
+  <dgm:styleLbl name="bgShp">
+    <dgm:fillClrLst meth="repeat">
+      <a:schemeClr val="accent1">
+        <a:tint val="40000"/>
+      </a:schemeClr>
+    </dgm:fillClrLst>
+    <dgm:linClrLst meth="repeat">
+      <a:schemeClr val="accent1"/>
+    </dgm:linClrLst>
+    <dgm:effectClrLst/>
+    <dgm:txLinClrLst/>
+    <dgm:txFillClrLst meth="repeat">
+      <a:schemeClr val="dk1"/>
+    </dgm:txFillClrLst>
+    <dgm:txEffectClrLst/>
+  </dgm:styleLbl>
+  <dgm:styleLbl name="dkBgShp">
+    <dgm:fillClrLst meth="repeat">
+      <a:schemeClr val="accent1">
+        <a:shade val="80000"/>
+      </a:schemeClr>
+    </dgm:fillClrLst>
+    <dgm:linClrLst meth="repeat">
+      <a:schemeClr val="accent1"/>
+    </dgm:linClrLst>
+    <dgm:effectClrLst/>
+    <dgm:txLinClrLst/>
+    <dgm:txFillClrLst meth="repeat">
+      <a:schemeClr val="lt1"/>
+    </dgm:txFillClrLst>
+    <dgm:txEffectClrLst/>
+  </dgm:styleLbl>
+  <dgm:styleLbl name="trBgShp">
+    <dgm:fillClrLst meth="repeat">
+      <a:schemeClr val="accent1">
+        <a:tint val="50000"/>
+        <a:alpha val="40000"/>
+      </a:schemeClr>
+    </dgm:fillClrLst>
+    <dgm:linClrLst meth="repeat">
+      <a:schemeClr val="accent1"/>
+    </dgm:linClrLst>
+    <dgm:effectClrLst/>
+    <dgm:txLinClrLst/>
+    <dgm:txFillClrLst meth="repeat">
+      <a:schemeClr val="lt1"/>
+    </dgm:txFillClrLst>
+    <dgm:txEffectClrLst/>
+  </dgm:styleLbl>
+  <dgm:styleLbl name="fgShp">
+    <dgm:fillClrLst meth="repeat">
+      <a:schemeClr val="accent1">
+        <a:tint val="60000"/>
+      </a:schemeClr>
+    </dgm:fillClrLst>
+    <dgm:linClrLst meth="repeat">
+      <a:schemeClr val="lt1"/>
+    </dgm:linClrLst>
+    <dgm:effectClrLst/>
+    <dgm:txLinClrLst/>
+    <dgm:txFillClrLst meth="repeat">
+      <a:schemeClr val="dk1"/>
+    </dgm:txFillClrLst>
+    <dgm:txEffectClrLst/>
+  </dgm:styleLbl>
+  <dgm:styleLbl name="revTx">
+    <dgm:fillClrLst meth="repeat">
+      <a:schemeClr val="lt1">
+        <a:alpha val="0"/>
+      </a:schemeClr>
+    </dgm:fillClrLst>
+    <dgm:linClrLst meth="repeat">
+      <a:schemeClr val="dk1">
+        <a:alpha val="0"/>
+      </a:schemeClr>
+    </dgm:linClrLst>
+    <dgm:effectClrLst/>
+    <dgm:txLinClrLst/>
+    <dgm:txFillClrLst meth="repeat">
+      <a:schemeClr val="tx1"/>
+    </dgm:txFillClrLst>
+    <dgm:txEffectClrLst/>
+  </dgm:styleLbl>
+</dgm:colorsDef>
+</file>
+
+<file path=ppt/diagrams/data1.xml><?xml version="1.0" encoding="utf-8"?>
+<dgm:dataModel xmlns:dgm="http://schemas.openxmlformats.org/drawingml/2006/diagram" xmlns:a="http://schemas.openxmlformats.org/drawingml/2006/main">
+  <dgm:ptLst>
+    <dgm:pt modelId="{9B242F08-2987-42BC-AB8A-A4FF526D5ED8}" type="doc">
+      <dgm:prSet loTypeId="urn:microsoft.com/office/officeart/2005/8/layout/orgChart1" loCatId="hierarchy" qsTypeId="urn:microsoft.com/office/officeart/2005/8/quickstyle/simple1" qsCatId="simple" csTypeId="urn:microsoft.com/office/officeart/2005/8/colors/accent1_2" csCatId="accent1" phldr="1"/>
+      <dgm:spPr/>
+      <dgm:t>
+        <a:bodyPr/>
+        <a:lstStyle/>
+        <a:p>
+          <a:endParaRPr lang="en-AU"/>
+        </a:p>
+      </dgm:t>
+    </dgm:pt>
+    <dgm:pt modelId="{38619C08-3FFD-47C5-A93A-F77FF88EDE04}">
+      <dgm:prSet phldrT="[Text]"/>
+      <dgm:spPr/>
+      <dgm:t>
+        <a:bodyPr/>
+        <a:lstStyle/>
+        <a:p>
+          <a:r>
+            <a:rPr lang="en-AU" dirty="0"/>
+            <a:t>Kernel</a:t>
+          </a:r>
+        </a:p>
+      </dgm:t>
+    </dgm:pt>
+    <dgm:pt modelId="{CD5CC159-3D06-486F-A45D-4705DB60A06E}" type="parTrans" cxnId="{3BE49B6F-C8D6-4C48-A6E8-A81F63B0383D}">
+      <dgm:prSet/>
+      <dgm:spPr/>
+      <dgm:t>
+        <a:bodyPr/>
+        <a:lstStyle/>
+        <a:p>
+          <a:endParaRPr lang="en-AU"/>
+        </a:p>
+      </dgm:t>
+    </dgm:pt>
+    <dgm:pt modelId="{E8AE5D3C-6B9F-405E-8B98-6300B0584E33}" type="sibTrans" cxnId="{3BE49B6F-C8D6-4C48-A6E8-A81F63B0383D}">
+      <dgm:prSet/>
+      <dgm:spPr/>
+      <dgm:t>
+        <a:bodyPr/>
+        <a:lstStyle/>
+        <a:p>
+          <a:endParaRPr lang="en-AU"/>
+        </a:p>
+      </dgm:t>
+    </dgm:pt>
+    <dgm:pt modelId="{EAC00323-33BD-4941-B9C6-F288CB94E938}">
+      <dgm:prSet phldrT="[Text]"/>
+      <dgm:spPr/>
+      <dgm:t>
+        <a:bodyPr/>
+        <a:lstStyle/>
+        <a:p>
+          <a:r>
+            <a:rPr lang="en-AU" dirty="0"/>
+            <a:t>Host</a:t>
+          </a:r>
+        </a:p>
+      </dgm:t>
+    </dgm:pt>
+    <dgm:pt modelId="{C08CBE30-94FF-4D75-8565-6E12CBA13BF6}" type="parTrans" cxnId="{5550CC0C-939D-49BF-9053-C7B3E7EC3436}">
+      <dgm:prSet/>
+      <dgm:spPr/>
+      <dgm:t>
+        <a:bodyPr/>
+        <a:lstStyle/>
+        <a:p>
+          <a:endParaRPr lang="en-AU"/>
+        </a:p>
+      </dgm:t>
+    </dgm:pt>
+    <dgm:pt modelId="{9A1F0A8E-EEB4-40EE-8A5B-C04057C357C8}" type="sibTrans" cxnId="{5550CC0C-939D-49BF-9053-C7B3E7EC3436}">
+      <dgm:prSet/>
+      <dgm:spPr/>
+      <dgm:t>
+        <a:bodyPr/>
+        <a:lstStyle/>
+        <a:p>
+          <a:endParaRPr lang="en-AU"/>
+        </a:p>
+      </dgm:t>
+    </dgm:pt>
+    <dgm:pt modelId="{25E4E414-FBAC-4A04-AE66-A4817A555243}">
+      <dgm:prSet phldrT="[Text]"/>
+      <dgm:spPr/>
+      <dgm:t>
+        <a:bodyPr/>
+        <a:lstStyle/>
+        <a:p>
+          <a:r>
+            <a:rPr lang="en-AU" dirty="0"/>
+            <a:t>Container 1</a:t>
+          </a:r>
+        </a:p>
+      </dgm:t>
+    </dgm:pt>
+    <dgm:pt modelId="{0F1402DE-9956-42B2-B4DB-D8AFB0DE2EB1}" type="parTrans" cxnId="{D797E0D5-6FB6-4B72-ABBC-844D16E621C8}">
+      <dgm:prSet/>
+      <dgm:spPr/>
+      <dgm:t>
+        <a:bodyPr/>
+        <a:lstStyle/>
+        <a:p>
+          <a:endParaRPr lang="en-AU"/>
+        </a:p>
+      </dgm:t>
+    </dgm:pt>
+    <dgm:pt modelId="{0F0C8E28-EF56-4B72-9410-02200573E459}" type="sibTrans" cxnId="{D797E0D5-6FB6-4B72-ABBC-844D16E621C8}">
+      <dgm:prSet/>
+      <dgm:spPr/>
+      <dgm:t>
+        <a:bodyPr/>
+        <a:lstStyle/>
+        <a:p>
+          <a:endParaRPr lang="en-AU"/>
+        </a:p>
+      </dgm:t>
+    </dgm:pt>
+    <dgm:pt modelId="{6AEE9C12-0FFF-43E2-95B3-6887C8484DEC}">
+      <dgm:prSet phldrT="[Text]"/>
+      <dgm:spPr/>
+      <dgm:t>
+        <a:bodyPr/>
+        <a:lstStyle/>
+        <a:p>
+          <a:r>
+            <a:rPr lang="en-AU" dirty="0"/>
+            <a:t>Container 2</a:t>
+          </a:r>
+        </a:p>
+      </dgm:t>
+    </dgm:pt>
+    <dgm:pt modelId="{0D1E2733-6EC1-4B89-AA41-19F808A5B922}" type="parTrans" cxnId="{6C32C8D9-1667-4C89-A408-7F1BEC7D1414}">
+      <dgm:prSet/>
+      <dgm:spPr/>
+      <dgm:t>
+        <a:bodyPr/>
+        <a:lstStyle/>
+        <a:p>
+          <a:endParaRPr lang="en-AU"/>
+        </a:p>
+      </dgm:t>
+    </dgm:pt>
+    <dgm:pt modelId="{2FD0545B-9E13-4B75-9A30-FD65BA6A76F8}" type="sibTrans" cxnId="{6C32C8D9-1667-4C89-A408-7F1BEC7D1414}">
+      <dgm:prSet/>
+      <dgm:spPr/>
+      <dgm:t>
+        <a:bodyPr/>
+        <a:lstStyle/>
+        <a:p>
+          <a:endParaRPr lang="en-AU"/>
+        </a:p>
+      </dgm:t>
+    </dgm:pt>
+    <dgm:pt modelId="{0F9A35C6-DBC0-431B-8702-68A8B4817D55}" type="pres">
+      <dgm:prSet presAssocID="{9B242F08-2987-42BC-AB8A-A4FF526D5ED8}" presName="hierChild1" presStyleCnt="0">
+        <dgm:presLayoutVars>
+          <dgm:orgChart val="1"/>
+          <dgm:chPref val="1"/>
+          <dgm:dir/>
+          <dgm:animOne val="branch"/>
+          <dgm:animLvl val="lvl"/>
+          <dgm:resizeHandles/>
+        </dgm:presLayoutVars>
+      </dgm:prSet>
+      <dgm:spPr/>
+    </dgm:pt>
+    <dgm:pt modelId="{DBC47D8D-327A-4732-8AB1-006803354830}" type="pres">
+      <dgm:prSet presAssocID="{38619C08-3FFD-47C5-A93A-F77FF88EDE04}" presName="hierRoot1" presStyleCnt="0">
+        <dgm:presLayoutVars>
+          <dgm:hierBranch val="init"/>
+        </dgm:presLayoutVars>
+      </dgm:prSet>
+      <dgm:spPr/>
+    </dgm:pt>
+    <dgm:pt modelId="{FA6BB3C1-F56E-4180-A11D-080F2C0959B1}" type="pres">
+      <dgm:prSet presAssocID="{38619C08-3FFD-47C5-A93A-F77FF88EDE04}" presName="rootComposite1" presStyleCnt="0"/>
+      <dgm:spPr/>
+    </dgm:pt>
+    <dgm:pt modelId="{F4B86CF0-4248-484E-A4C7-20D2B8C7562B}" type="pres">
+      <dgm:prSet presAssocID="{38619C08-3FFD-47C5-A93A-F77FF88EDE04}" presName="rootText1" presStyleLbl="node0" presStyleIdx="0" presStyleCnt="1" custScaleX="133383" custLinFactNeighborX="-12092" custLinFactNeighborY="-108">
+        <dgm:presLayoutVars>
+          <dgm:chPref val="3"/>
+        </dgm:presLayoutVars>
+      </dgm:prSet>
+      <dgm:spPr/>
+    </dgm:pt>
+    <dgm:pt modelId="{98D845DC-C961-45DB-A685-A1332E26B7C3}" type="pres">
+      <dgm:prSet presAssocID="{38619C08-3FFD-47C5-A93A-F77FF88EDE04}" presName="rootConnector1" presStyleLbl="node1" presStyleIdx="0" presStyleCnt="0"/>
+      <dgm:spPr/>
+    </dgm:pt>
+    <dgm:pt modelId="{AD344B6E-39C3-4EBD-ACD8-6ED5B51AB243}" type="pres">
+      <dgm:prSet presAssocID="{38619C08-3FFD-47C5-A93A-F77FF88EDE04}" presName="hierChild2" presStyleCnt="0"/>
+      <dgm:spPr/>
+    </dgm:pt>
+    <dgm:pt modelId="{45FF3BBD-2828-4766-B894-8C06D0099B50}" type="pres">
+      <dgm:prSet presAssocID="{C08CBE30-94FF-4D75-8565-6E12CBA13BF6}" presName="Name37" presStyleLbl="parChTrans1D2" presStyleIdx="0" presStyleCnt="3"/>
+      <dgm:spPr/>
+    </dgm:pt>
+    <dgm:pt modelId="{E5B024DB-1E51-486D-AA31-02F46A444252}" type="pres">
+      <dgm:prSet presAssocID="{EAC00323-33BD-4941-B9C6-F288CB94E938}" presName="hierRoot2" presStyleCnt="0">
+        <dgm:presLayoutVars>
+          <dgm:hierBranch val="init"/>
+        </dgm:presLayoutVars>
+      </dgm:prSet>
+      <dgm:spPr/>
+    </dgm:pt>
+    <dgm:pt modelId="{1EF48972-E855-400E-8F9E-C8F1A6DA8829}" type="pres">
+      <dgm:prSet presAssocID="{EAC00323-33BD-4941-B9C6-F288CB94E938}" presName="rootComposite" presStyleCnt="0"/>
+      <dgm:spPr/>
+    </dgm:pt>
+    <dgm:pt modelId="{74A992A9-B724-4BD6-9975-F7C1FE9FF557}" type="pres">
+      <dgm:prSet presAssocID="{EAC00323-33BD-4941-B9C6-F288CB94E938}" presName="rootText" presStyleLbl="node2" presStyleIdx="0" presStyleCnt="3" custScaleX="151555">
+        <dgm:presLayoutVars>
+          <dgm:chPref val="3"/>
+        </dgm:presLayoutVars>
+      </dgm:prSet>
+      <dgm:spPr/>
+    </dgm:pt>
+    <dgm:pt modelId="{0A7E209F-18E4-44C2-ABFA-B29842CADC74}" type="pres">
+      <dgm:prSet presAssocID="{EAC00323-33BD-4941-B9C6-F288CB94E938}" presName="rootConnector" presStyleLbl="node2" presStyleIdx="0" presStyleCnt="3"/>
+      <dgm:spPr/>
+    </dgm:pt>
+    <dgm:pt modelId="{8E1BE5DD-F6FF-4B45-95B9-9C7EE2DC46A5}" type="pres">
+      <dgm:prSet presAssocID="{EAC00323-33BD-4941-B9C6-F288CB94E938}" presName="hierChild4" presStyleCnt="0"/>
+      <dgm:spPr/>
+    </dgm:pt>
+    <dgm:pt modelId="{F1EA5ED3-33DF-4D9D-8C7F-034A99C2D8B1}" type="pres">
+      <dgm:prSet presAssocID="{EAC00323-33BD-4941-B9C6-F288CB94E938}" presName="hierChild5" presStyleCnt="0"/>
+      <dgm:spPr/>
+    </dgm:pt>
+    <dgm:pt modelId="{10387094-8F5B-4D06-A408-AD1CD6814EDC}" type="pres">
+      <dgm:prSet presAssocID="{0F1402DE-9956-42B2-B4DB-D8AFB0DE2EB1}" presName="Name37" presStyleLbl="parChTrans1D2" presStyleIdx="1" presStyleCnt="3"/>
+      <dgm:spPr/>
+    </dgm:pt>
+    <dgm:pt modelId="{C6477DBE-7BDF-43A7-9F90-91E6954D0BD7}" type="pres">
+      <dgm:prSet presAssocID="{25E4E414-FBAC-4A04-AE66-A4817A555243}" presName="hierRoot2" presStyleCnt="0">
+        <dgm:presLayoutVars>
+          <dgm:hierBranch val="init"/>
+        </dgm:presLayoutVars>
+      </dgm:prSet>
+      <dgm:spPr/>
+    </dgm:pt>
+    <dgm:pt modelId="{893D86E7-A90E-48FE-AD77-A2179E16373D}" type="pres">
+      <dgm:prSet presAssocID="{25E4E414-FBAC-4A04-AE66-A4817A555243}" presName="rootComposite" presStyleCnt="0"/>
+      <dgm:spPr/>
+    </dgm:pt>
+    <dgm:pt modelId="{5876DC7A-6515-4420-9B91-EA47EDD55D64}" type="pres">
+      <dgm:prSet presAssocID="{25E4E414-FBAC-4A04-AE66-A4817A555243}" presName="rootText" presStyleLbl="node2" presStyleIdx="1" presStyleCnt="3" custScaleX="175637">
+        <dgm:presLayoutVars>
+          <dgm:chPref val="3"/>
+        </dgm:presLayoutVars>
+      </dgm:prSet>
+      <dgm:spPr/>
+    </dgm:pt>
+    <dgm:pt modelId="{A99A5227-BBAF-419A-9B4F-E6D9C8850FF4}" type="pres">
+      <dgm:prSet presAssocID="{25E4E414-FBAC-4A04-AE66-A4817A555243}" presName="rootConnector" presStyleLbl="node2" presStyleIdx="1" presStyleCnt="3"/>
+      <dgm:spPr/>
+    </dgm:pt>
+    <dgm:pt modelId="{DA6A9B0A-B478-4539-89D8-325253723D2C}" type="pres">
+      <dgm:prSet presAssocID="{25E4E414-FBAC-4A04-AE66-A4817A555243}" presName="hierChild4" presStyleCnt="0"/>
+      <dgm:spPr/>
+    </dgm:pt>
+    <dgm:pt modelId="{8D443E4A-34DA-4EC6-A61D-C1B7B7551E82}" type="pres">
+      <dgm:prSet presAssocID="{25E4E414-FBAC-4A04-AE66-A4817A555243}" presName="hierChild5" presStyleCnt="0"/>
+      <dgm:spPr/>
+    </dgm:pt>
+    <dgm:pt modelId="{8926892F-9A2A-496B-B67A-09E4732F3C9C}" type="pres">
+      <dgm:prSet presAssocID="{0D1E2733-6EC1-4B89-AA41-19F808A5B922}" presName="Name37" presStyleLbl="parChTrans1D2" presStyleIdx="2" presStyleCnt="3"/>
+      <dgm:spPr/>
+    </dgm:pt>
+    <dgm:pt modelId="{6A01CE94-C932-4C62-9507-F423D36A43A5}" type="pres">
+      <dgm:prSet presAssocID="{6AEE9C12-0FFF-43E2-95B3-6887C8484DEC}" presName="hierRoot2" presStyleCnt="0">
+        <dgm:presLayoutVars>
+          <dgm:hierBranch val="init"/>
+        </dgm:presLayoutVars>
+      </dgm:prSet>
+      <dgm:spPr/>
+    </dgm:pt>
+    <dgm:pt modelId="{56FF6427-85DF-480E-A43C-562D4417C074}" type="pres">
+      <dgm:prSet presAssocID="{6AEE9C12-0FFF-43E2-95B3-6887C8484DEC}" presName="rootComposite" presStyleCnt="0"/>
+      <dgm:spPr/>
+    </dgm:pt>
+    <dgm:pt modelId="{60B40BFA-B5F1-40FB-A440-9A8005673C5B}" type="pres">
+      <dgm:prSet presAssocID="{6AEE9C12-0FFF-43E2-95B3-6887C8484DEC}" presName="rootText" presStyleLbl="node2" presStyleIdx="2" presStyleCnt="3" custScaleX="172405">
+        <dgm:presLayoutVars>
+          <dgm:chPref val="3"/>
+        </dgm:presLayoutVars>
+      </dgm:prSet>
+      <dgm:spPr/>
+    </dgm:pt>
+    <dgm:pt modelId="{AC365600-68A4-400E-8F8F-31BCECA40759}" type="pres">
+      <dgm:prSet presAssocID="{6AEE9C12-0FFF-43E2-95B3-6887C8484DEC}" presName="rootConnector" presStyleLbl="node2" presStyleIdx="2" presStyleCnt="3"/>
+      <dgm:spPr/>
+    </dgm:pt>
+    <dgm:pt modelId="{81C0537A-EE29-40A6-ACFD-773C7B64629E}" type="pres">
+      <dgm:prSet presAssocID="{6AEE9C12-0FFF-43E2-95B3-6887C8484DEC}" presName="hierChild4" presStyleCnt="0"/>
+      <dgm:spPr/>
+    </dgm:pt>
+    <dgm:pt modelId="{1A349D89-5721-4A6E-9140-C7401616566C}" type="pres">
+      <dgm:prSet presAssocID="{6AEE9C12-0FFF-43E2-95B3-6887C8484DEC}" presName="hierChild5" presStyleCnt="0"/>
+      <dgm:spPr/>
+    </dgm:pt>
+    <dgm:pt modelId="{B7A5E650-9543-433E-A018-14CC81890D09}" type="pres">
+      <dgm:prSet presAssocID="{38619C08-3FFD-47C5-A93A-F77FF88EDE04}" presName="hierChild3" presStyleCnt="0"/>
+      <dgm:spPr/>
+    </dgm:pt>
+  </dgm:ptLst>
+  <dgm:cxnLst>
+    <dgm:cxn modelId="{5550CC0C-939D-49BF-9053-C7B3E7EC3436}" srcId="{38619C08-3FFD-47C5-A93A-F77FF88EDE04}" destId="{EAC00323-33BD-4941-B9C6-F288CB94E938}" srcOrd="0" destOrd="0" parTransId="{C08CBE30-94FF-4D75-8565-6E12CBA13BF6}" sibTransId="{9A1F0A8E-EEB4-40EE-8A5B-C04057C357C8}"/>
+    <dgm:cxn modelId="{CB99AF0D-DFDA-4368-8FB6-063484B5A5AA}" type="presOf" srcId="{C08CBE30-94FF-4D75-8565-6E12CBA13BF6}" destId="{45FF3BBD-2828-4766-B894-8C06D0099B50}" srcOrd="0" destOrd="0" presId="urn:microsoft.com/office/officeart/2005/8/layout/orgChart1"/>
+    <dgm:cxn modelId="{C4875B28-0052-405F-B92E-34977E6223DB}" type="presOf" srcId="{9B242F08-2987-42BC-AB8A-A4FF526D5ED8}" destId="{0F9A35C6-DBC0-431B-8702-68A8B4817D55}" srcOrd="0" destOrd="0" presId="urn:microsoft.com/office/officeart/2005/8/layout/orgChart1"/>
+    <dgm:cxn modelId="{59FFA13B-49EA-4CCF-98BC-4C27FC029268}" type="presOf" srcId="{25E4E414-FBAC-4A04-AE66-A4817A555243}" destId="{5876DC7A-6515-4420-9B91-EA47EDD55D64}" srcOrd="0" destOrd="0" presId="urn:microsoft.com/office/officeart/2005/8/layout/orgChart1"/>
+    <dgm:cxn modelId="{7E85483E-6A33-4E0E-96F6-302468683A41}" type="presOf" srcId="{EAC00323-33BD-4941-B9C6-F288CB94E938}" destId="{74A992A9-B724-4BD6-9975-F7C1FE9FF557}" srcOrd="0" destOrd="0" presId="urn:microsoft.com/office/officeart/2005/8/layout/orgChart1"/>
+    <dgm:cxn modelId="{3BE49B6F-C8D6-4C48-A6E8-A81F63B0383D}" srcId="{9B242F08-2987-42BC-AB8A-A4FF526D5ED8}" destId="{38619C08-3FFD-47C5-A93A-F77FF88EDE04}" srcOrd="0" destOrd="0" parTransId="{CD5CC159-3D06-486F-A45D-4705DB60A06E}" sibTransId="{E8AE5D3C-6B9F-405E-8B98-6300B0584E33}"/>
+    <dgm:cxn modelId="{991A4F79-BA47-47F7-B4A1-D5CC7D72A6C2}" type="presOf" srcId="{0D1E2733-6EC1-4B89-AA41-19F808A5B922}" destId="{8926892F-9A2A-496B-B67A-09E4732F3C9C}" srcOrd="0" destOrd="0" presId="urn:microsoft.com/office/officeart/2005/8/layout/orgChart1"/>
+    <dgm:cxn modelId="{BD76A188-9E9B-4D41-9E34-759B0E914C49}" type="presOf" srcId="{EAC00323-33BD-4941-B9C6-F288CB94E938}" destId="{0A7E209F-18E4-44C2-ABFA-B29842CADC74}" srcOrd="1" destOrd="0" presId="urn:microsoft.com/office/officeart/2005/8/layout/orgChart1"/>
+    <dgm:cxn modelId="{4756E692-FC69-40C8-9134-13BCB7D4068A}" type="presOf" srcId="{6AEE9C12-0FFF-43E2-95B3-6887C8484DEC}" destId="{AC365600-68A4-400E-8F8F-31BCECA40759}" srcOrd="1" destOrd="0" presId="urn:microsoft.com/office/officeart/2005/8/layout/orgChart1"/>
+    <dgm:cxn modelId="{6F065A9C-2922-4C32-B9BB-59750D4761A7}" type="presOf" srcId="{38619C08-3FFD-47C5-A93A-F77FF88EDE04}" destId="{98D845DC-C961-45DB-A685-A1332E26B7C3}" srcOrd="1" destOrd="0" presId="urn:microsoft.com/office/officeart/2005/8/layout/orgChart1"/>
+    <dgm:cxn modelId="{B6EDC1CD-8A1E-46AF-95D2-5CE65FA2434C}" type="presOf" srcId="{38619C08-3FFD-47C5-A93A-F77FF88EDE04}" destId="{F4B86CF0-4248-484E-A4C7-20D2B8C7562B}" srcOrd="0" destOrd="0" presId="urn:microsoft.com/office/officeart/2005/8/layout/orgChart1"/>
+    <dgm:cxn modelId="{DCD994CF-84F5-4B3A-A678-ED3CB9580BA9}" type="presOf" srcId="{0F1402DE-9956-42B2-B4DB-D8AFB0DE2EB1}" destId="{10387094-8F5B-4D06-A408-AD1CD6814EDC}" srcOrd="0" destOrd="0" presId="urn:microsoft.com/office/officeart/2005/8/layout/orgChart1"/>
+    <dgm:cxn modelId="{D797E0D5-6FB6-4B72-ABBC-844D16E621C8}" srcId="{38619C08-3FFD-47C5-A93A-F77FF88EDE04}" destId="{25E4E414-FBAC-4A04-AE66-A4817A555243}" srcOrd="1" destOrd="0" parTransId="{0F1402DE-9956-42B2-B4DB-D8AFB0DE2EB1}" sibTransId="{0F0C8E28-EF56-4B72-9410-02200573E459}"/>
+    <dgm:cxn modelId="{6C32C8D9-1667-4C89-A408-7F1BEC7D1414}" srcId="{38619C08-3FFD-47C5-A93A-F77FF88EDE04}" destId="{6AEE9C12-0FFF-43E2-95B3-6887C8484DEC}" srcOrd="2" destOrd="0" parTransId="{0D1E2733-6EC1-4B89-AA41-19F808A5B922}" sibTransId="{2FD0545B-9E13-4B75-9A30-FD65BA6A76F8}"/>
+    <dgm:cxn modelId="{BA0D54E1-B8E6-40EF-8F28-A4BDA964AE8D}" type="presOf" srcId="{6AEE9C12-0FFF-43E2-95B3-6887C8484DEC}" destId="{60B40BFA-B5F1-40FB-A440-9A8005673C5B}" srcOrd="0" destOrd="0" presId="urn:microsoft.com/office/officeart/2005/8/layout/orgChart1"/>
+    <dgm:cxn modelId="{9BDD0AFA-301B-416A-86DC-C37B6D61BBF5}" type="presOf" srcId="{25E4E414-FBAC-4A04-AE66-A4817A555243}" destId="{A99A5227-BBAF-419A-9B4F-E6D9C8850FF4}" srcOrd="1" destOrd="0" presId="urn:microsoft.com/office/officeart/2005/8/layout/orgChart1"/>
+    <dgm:cxn modelId="{C020FAAA-331D-4753-A357-697E9C22E878}" type="presParOf" srcId="{0F9A35C6-DBC0-431B-8702-68A8B4817D55}" destId="{DBC47D8D-327A-4732-8AB1-006803354830}" srcOrd="0" destOrd="0" presId="urn:microsoft.com/office/officeart/2005/8/layout/orgChart1"/>
+    <dgm:cxn modelId="{AD4C2161-2896-4CDF-AE5B-3560F4BA7463}" type="presParOf" srcId="{DBC47D8D-327A-4732-8AB1-006803354830}" destId="{FA6BB3C1-F56E-4180-A11D-080F2C0959B1}" srcOrd="0" destOrd="0" presId="urn:microsoft.com/office/officeart/2005/8/layout/orgChart1"/>
+    <dgm:cxn modelId="{3BD984FA-87AA-4A6A-BAB8-7E65EA1855E8}" type="presParOf" srcId="{FA6BB3C1-F56E-4180-A11D-080F2C0959B1}" destId="{F4B86CF0-4248-484E-A4C7-20D2B8C7562B}" srcOrd="0" destOrd="0" presId="urn:microsoft.com/office/officeart/2005/8/layout/orgChart1"/>
+    <dgm:cxn modelId="{B4B27F64-2713-4248-A392-0F67C4553969}" type="presParOf" srcId="{FA6BB3C1-F56E-4180-A11D-080F2C0959B1}" destId="{98D845DC-C961-45DB-A685-A1332E26B7C3}" srcOrd="1" destOrd="0" presId="urn:microsoft.com/office/officeart/2005/8/layout/orgChart1"/>
+    <dgm:cxn modelId="{F6E7FF04-FE35-4589-A1C6-519DFA69588B}" type="presParOf" srcId="{DBC47D8D-327A-4732-8AB1-006803354830}" destId="{AD344B6E-39C3-4EBD-ACD8-6ED5B51AB243}" srcOrd="1" destOrd="0" presId="urn:microsoft.com/office/officeart/2005/8/layout/orgChart1"/>
+    <dgm:cxn modelId="{D2A5D85C-E04A-46B9-AA1E-60FCF9BCA2A0}" type="presParOf" srcId="{AD344B6E-39C3-4EBD-ACD8-6ED5B51AB243}" destId="{45FF3BBD-2828-4766-B894-8C06D0099B50}" srcOrd="0" destOrd="0" presId="urn:microsoft.com/office/officeart/2005/8/layout/orgChart1"/>
+    <dgm:cxn modelId="{B1CCF58F-A013-48FA-8B5D-5D52E4D10D68}" type="presParOf" srcId="{AD344B6E-39C3-4EBD-ACD8-6ED5B51AB243}" destId="{E5B024DB-1E51-486D-AA31-02F46A444252}" srcOrd="1" destOrd="0" presId="urn:microsoft.com/office/officeart/2005/8/layout/orgChart1"/>
+    <dgm:cxn modelId="{CD40F02A-F36A-402E-90B6-B96115B8954B}" type="presParOf" srcId="{E5B024DB-1E51-486D-AA31-02F46A444252}" destId="{1EF48972-E855-400E-8F9E-C8F1A6DA8829}" srcOrd="0" destOrd="0" presId="urn:microsoft.com/office/officeart/2005/8/layout/orgChart1"/>
+    <dgm:cxn modelId="{37740B5F-EA61-4D61-A300-B599E4E9C38C}" type="presParOf" srcId="{1EF48972-E855-400E-8F9E-C8F1A6DA8829}" destId="{74A992A9-B724-4BD6-9975-F7C1FE9FF557}" srcOrd="0" destOrd="0" presId="urn:microsoft.com/office/officeart/2005/8/layout/orgChart1"/>
+    <dgm:cxn modelId="{BF6FF0D7-7E9D-4783-AD69-A1F1D396474E}" type="presParOf" srcId="{1EF48972-E855-400E-8F9E-C8F1A6DA8829}" destId="{0A7E209F-18E4-44C2-ABFA-B29842CADC74}" srcOrd="1" destOrd="0" presId="urn:microsoft.com/office/officeart/2005/8/layout/orgChart1"/>
+    <dgm:cxn modelId="{B5CFB2E9-A859-45F6-A18F-F942615AD415}" type="presParOf" srcId="{E5B024DB-1E51-486D-AA31-02F46A444252}" destId="{8E1BE5DD-F6FF-4B45-95B9-9C7EE2DC46A5}" srcOrd="1" destOrd="0" presId="urn:microsoft.com/office/officeart/2005/8/layout/orgChart1"/>
+    <dgm:cxn modelId="{600DCDBD-B8C9-40FA-8C53-76A80114D022}" type="presParOf" srcId="{E5B024DB-1E51-486D-AA31-02F46A444252}" destId="{F1EA5ED3-33DF-4D9D-8C7F-034A99C2D8B1}" srcOrd="2" destOrd="0" presId="urn:microsoft.com/office/officeart/2005/8/layout/orgChart1"/>
+    <dgm:cxn modelId="{624640BD-63FB-40BA-869D-A980EE421E64}" type="presParOf" srcId="{AD344B6E-39C3-4EBD-ACD8-6ED5B51AB243}" destId="{10387094-8F5B-4D06-A408-AD1CD6814EDC}" srcOrd="2" destOrd="0" presId="urn:microsoft.com/office/officeart/2005/8/layout/orgChart1"/>
+    <dgm:cxn modelId="{128B6112-5870-4B6B-B6AC-FC629BFC534B}" type="presParOf" srcId="{AD344B6E-39C3-4EBD-ACD8-6ED5B51AB243}" destId="{C6477DBE-7BDF-43A7-9F90-91E6954D0BD7}" srcOrd="3" destOrd="0" presId="urn:microsoft.com/office/officeart/2005/8/layout/orgChart1"/>
+    <dgm:cxn modelId="{97D16806-2B6A-4677-B3B1-4F874706F29F}" type="presParOf" srcId="{C6477DBE-7BDF-43A7-9F90-91E6954D0BD7}" destId="{893D86E7-A90E-48FE-AD77-A2179E16373D}" srcOrd="0" destOrd="0" presId="urn:microsoft.com/office/officeart/2005/8/layout/orgChart1"/>
+    <dgm:cxn modelId="{55CA3ECE-DB71-4CD1-BF44-938F14D5AFEC}" type="presParOf" srcId="{893D86E7-A90E-48FE-AD77-A2179E16373D}" destId="{5876DC7A-6515-4420-9B91-EA47EDD55D64}" srcOrd="0" destOrd="0" presId="urn:microsoft.com/office/officeart/2005/8/layout/orgChart1"/>
+    <dgm:cxn modelId="{40240792-5442-47E2-A636-85E06A6BB927}" type="presParOf" srcId="{893D86E7-A90E-48FE-AD77-A2179E16373D}" destId="{A99A5227-BBAF-419A-9B4F-E6D9C8850FF4}" srcOrd="1" destOrd="0" presId="urn:microsoft.com/office/officeart/2005/8/layout/orgChart1"/>
+    <dgm:cxn modelId="{8D9BF8EF-9D8F-4929-B957-66016BB02B02}" type="presParOf" srcId="{C6477DBE-7BDF-43A7-9F90-91E6954D0BD7}" destId="{DA6A9B0A-B478-4539-89D8-325253723D2C}" srcOrd="1" destOrd="0" presId="urn:microsoft.com/office/officeart/2005/8/layout/orgChart1"/>
+    <dgm:cxn modelId="{84ED654D-C35A-4F73-B1D0-9EEA1D3D77C0}" type="presParOf" srcId="{C6477DBE-7BDF-43A7-9F90-91E6954D0BD7}" destId="{8D443E4A-34DA-4EC6-A61D-C1B7B7551E82}" srcOrd="2" destOrd="0" presId="urn:microsoft.com/office/officeart/2005/8/layout/orgChart1"/>
+    <dgm:cxn modelId="{34CFDCBF-8DD7-428F-9037-6B9A0633893D}" type="presParOf" srcId="{AD344B6E-39C3-4EBD-ACD8-6ED5B51AB243}" destId="{8926892F-9A2A-496B-B67A-09E4732F3C9C}" srcOrd="4" destOrd="0" presId="urn:microsoft.com/office/officeart/2005/8/layout/orgChart1"/>
+    <dgm:cxn modelId="{AD93E22E-EC97-49DB-B0A5-8DFA05D61027}" type="presParOf" srcId="{AD344B6E-39C3-4EBD-ACD8-6ED5B51AB243}" destId="{6A01CE94-C932-4C62-9507-F423D36A43A5}" srcOrd="5" destOrd="0" presId="urn:microsoft.com/office/officeart/2005/8/layout/orgChart1"/>
+    <dgm:cxn modelId="{1FAA2C37-4503-4CB8-8534-9839394E1433}" type="presParOf" srcId="{6A01CE94-C932-4C62-9507-F423D36A43A5}" destId="{56FF6427-85DF-480E-A43C-562D4417C074}" srcOrd="0" destOrd="0" presId="urn:microsoft.com/office/officeart/2005/8/layout/orgChart1"/>
+    <dgm:cxn modelId="{A9CB3540-D5F7-429A-B375-F8F6BAA4FE00}" type="presParOf" srcId="{56FF6427-85DF-480E-A43C-562D4417C074}" destId="{60B40BFA-B5F1-40FB-A440-9A8005673C5B}" srcOrd="0" destOrd="0" presId="urn:microsoft.com/office/officeart/2005/8/layout/orgChart1"/>
+    <dgm:cxn modelId="{715ABA3A-CDC5-425B-8F44-4D5A264B3236}" type="presParOf" srcId="{56FF6427-85DF-480E-A43C-562D4417C074}" destId="{AC365600-68A4-400E-8F8F-31BCECA40759}" srcOrd="1" destOrd="0" presId="urn:microsoft.com/office/officeart/2005/8/layout/orgChart1"/>
+    <dgm:cxn modelId="{3FE1721F-B63B-4738-A249-F9071F2EF258}" type="presParOf" srcId="{6A01CE94-C932-4C62-9507-F423D36A43A5}" destId="{81C0537A-EE29-40A6-ACFD-773C7B64629E}" srcOrd="1" destOrd="0" presId="urn:microsoft.com/office/officeart/2005/8/layout/orgChart1"/>
+    <dgm:cxn modelId="{93BF8602-3640-4072-8AA9-09EBF1B6017E}" type="presParOf" srcId="{6A01CE94-C932-4C62-9507-F423D36A43A5}" destId="{1A349D89-5721-4A6E-9140-C7401616566C}" srcOrd="2" destOrd="0" presId="urn:microsoft.com/office/officeart/2005/8/layout/orgChart1"/>
+    <dgm:cxn modelId="{865B3D04-5563-4AFC-902A-EE945CB55CE9}" type="presParOf" srcId="{DBC47D8D-327A-4732-8AB1-006803354830}" destId="{B7A5E650-9543-433E-A018-14CC81890D09}" srcOrd="2" destOrd="0" presId="urn:microsoft.com/office/officeart/2005/8/layout/orgChart1"/>
+  </dgm:cxnLst>
+  <dgm:bg/>
+  <dgm:whole/>
+  <dgm:extLst>
+    <a:ext uri="http://schemas.microsoft.com/office/drawing/2008/diagram">
+      <dsp:dataModelExt xmlns:dsp="http://schemas.microsoft.com/office/drawing/2008/diagram" relId="rId7" minVer="http://schemas.openxmlformats.org/drawingml/2006/diagram"/>
+    </a:ext>
+  </dgm:extLst>
+</dgm:dataModel>
+</file>
+
+<file path=ppt/diagrams/drawing1.xml><?xml version="1.0" encoding="utf-8"?>
+<dsp:drawing xmlns:dgm="http://schemas.openxmlformats.org/drawingml/2006/diagram" xmlns:dsp="http://schemas.microsoft.com/office/drawing/2008/diagram" xmlns:a="http://schemas.openxmlformats.org/drawingml/2006/main">
+  <dsp:spTree>
+    <dsp:nvGrpSpPr>
+      <dsp:cNvPr id="0" name=""/>
+      <dsp:cNvGrpSpPr/>
+    </dsp:nvGrpSpPr>
+    <dsp:grpSpPr/>
+    <dsp:sp modelId="{8926892F-9A2A-496B-B67A-09E4732F3C9C}">
+      <dsp:nvSpPr>
+        <dsp:cNvPr id="0" name=""/>
+        <dsp:cNvSpPr/>
+      </dsp:nvSpPr>
+      <dsp:spPr>
+        <a:xfrm>
+          <a:off x="3933376" y="540124"/>
+          <a:ext cx="2124710" cy="227434"/>
+        </a:xfrm>
+        <a:custGeom>
+          <a:avLst/>
+          <a:gdLst/>
+          <a:ahLst/>
+          <a:cxnLst/>
+          <a:rect l="0" t="0" r="0" b="0"/>
+          <a:pathLst>
+            <a:path>
+              <a:moveTo>
+                <a:pt x="0" y="0"/>
+              </a:moveTo>
+              <a:lnTo>
+                <a:pt x="0" y="114008"/>
+              </a:lnTo>
+              <a:lnTo>
+                <a:pt x="2124710" y="114008"/>
+              </a:lnTo>
+              <a:lnTo>
+                <a:pt x="2124710" y="227434"/>
+              </a:lnTo>
+            </a:path>
+          </a:pathLst>
+        </a:custGeom>
+        <a:noFill/>
+        <a:ln w="25400" cap="flat" cmpd="sng" algn="ctr">
+          <a:solidFill>
+            <a:schemeClr val="accent1">
+              <a:shade val="60000"/>
+              <a:hueOff val="0"/>
+              <a:satOff val="0"/>
+              <a:lumOff val="0"/>
+              <a:alphaOff val="0"/>
+            </a:schemeClr>
+          </a:solidFill>
+          <a:prstDash val="solid"/>
+        </a:ln>
+        <a:effectLst/>
+      </dsp:spPr>
+      <dsp:style>
+        <a:lnRef idx="2">
+          <a:scrgbClr r="0" g="0" b="0"/>
+        </a:lnRef>
+        <a:fillRef idx="0">
+          <a:scrgbClr r="0" g="0" b="0"/>
+        </a:fillRef>
+        <a:effectRef idx="0">
+          <a:scrgbClr r="0" g="0" b="0"/>
+        </a:effectRef>
+        <a:fontRef idx="minor"/>
+      </dsp:style>
+    </dsp:sp>
+    <dsp:sp modelId="{10387094-8F5B-4D06-A408-AD1CD6814EDC}">
+      <dsp:nvSpPr>
+        <dsp:cNvPr id="0" name=""/>
+        <dsp:cNvSpPr/>
+      </dsp:nvSpPr>
+      <dsp:spPr>
+        <a:xfrm>
+          <a:off x="3887656" y="540124"/>
+          <a:ext cx="91440" cy="227434"/>
+        </a:xfrm>
+        <a:custGeom>
+          <a:avLst/>
+          <a:gdLst/>
+          <a:ahLst/>
+          <a:cxnLst/>
+          <a:rect l="0" t="0" r="0" b="0"/>
+          <a:pathLst>
+            <a:path>
+              <a:moveTo>
+                <a:pt x="45720" y="0"/>
+              </a:moveTo>
+              <a:lnTo>
+                <a:pt x="45720" y="114008"/>
+              </a:lnTo>
+              <a:lnTo>
+                <a:pt x="63727" y="114008"/>
+              </a:lnTo>
+              <a:lnTo>
+                <a:pt x="63727" y="227434"/>
+              </a:lnTo>
+            </a:path>
+          </a:pathLst>
+        </a:custGeom>
+        <a:noFill/>
+        <a:ln w="25400" cap="flat" cmpd="sng" algn="ctr">
+          <a:solidFill>
+            <a:schemeClr val="accent1">
+              <a:shade val="60000"/>
+              <a:hueOff val="0"/>
+              <a:satOff val="0"/>
+              <a:lumOff val="0"/>
+              <a:alphaOff val="0"/>
+            </a:schemeClr>
+          </a:solidFill>
+          <a:prstDash val="solid"/>
+        </a:ln>
+        <a:effectLst/>
+      </dsp:spPr>
+      <dsp:style>
+        <a:lnRef idx="2">
+          <a:scrgbClr r="0" g="0" b="0"/>
+        </a:lnRef>
+        <a:fillRef idx="0">
+          <a:scrgbClr r="0" g="0" b="0"/>
+        </a:fillRef>
+        <a:effectRef idx="0">
+          <a:scrgbClr r="0" g="0" b="0"/>
+        </a:effectRef>
+        <a:fontRef idx="minor"/>
+      </dsp:style>
+    </dsp:sp>
+    <dsp:sp modelId="{45FF3BBD-2828-4766-B894-8C06D0099B50}">
+      <dsp:nvSpPr>
+        <dsp:cNvPr id="0" name=""/>
+        <dsp:cNvSpPr/>
+      </dsp:nvSpPr>
+      <dsp:spPr>
+        <a:xfrm>
+          <a:off x="1957297" y="540124"/>
+          <a:ext cx="1976079" cy="227434"/>
+        </a:xfrm>
+        <a:custGeom>
+          <a:avLst/>
+          <a:gdLst/>
+          <a:ahLst/>
+          <a:cxnLst/>
+          <a:rect l="0" t="0" r="0" b="0"/>
+          <a:pathLst>
+            <a:path>
+              <a:moveTo>
+                <a:pt x="1976079" y="0"/>
+              </a:moveTo>
+              <a:lnTo>
+                <a:pt x="1976079" y="114008"/>
+              </a:lnTo>
+              <a:lnTo>
+                <a:pt x="0" y="114008"/>
+              </a:lnTo>
+              <a:lnTo>
+                <a:pt x="0" y="227434"/>
+              </a:lnTo>
+            </a:path>
+          </a:pathLst>
+        </a:custGeom>
+        <a:noFill/>
+        <a:ln w="25400" cap="flat" cmpd="sng" algn="ctr">
+          <a:solidFill>
+            <a:schemeClr val="accent1">
+              <a:shade val="60000"/>
+              <a:hueOff val="0"/>
+              <a:satOff val="0"/>
+              <a:lumOff val="0"/>
+              <a:alphaOff val="0"/>
+            </a:schemeClr>
+          </a:solidFill>
+          <a:prstDash val="solid"/>
+        </a:ln>
+        <a:effectLst/>
+      </dsp:spPr>
+      <dsp:style>
+        <a:lnRef idx="2">
+          <a:scrgbClr r="0" g="0" b="0"/>
+        </a:lnRef>
+        <a:fillRef idx="0">
+          <a:scrgbClr r="0" g="0" b="0"/>
+        </a:fillRef>
+        <a:effectRef idx="0">
+          <a:scrgbClr r="0" g="0" b="0"/>
+        </a:effectRef>
+        <a:fontRef idx="minor"/>
+      </dsp:style>
+    </dsp:sp>
+    <dsp:sp modelId="{F4B86CF0-4248-484E-A4C7-20D2B8C7562B}">
+      <dsp:nvSpPr>
+        <dsp:cNvPr id="0" name=""/>
+        <dsp:cNvSpPr/>
+      </dsp:nvSpPr>
+      <dsp:spPr>
+        <a:xfrm>
+          <a:off x="3212945" y="1"/>
+          <a:ext cx="1440862" cy="540122"/>
+        </a:xfrm>
+        <a:prstGeom prst="rect">
+          <a:avLst/>
+        </a:prstGeom>
+        <a:solidFill>
+          <a:schemeClr val="accent1">
+            <a:hueOff val="0"/>
+            <a:satOff val="0"/>
+            <a:lumOff val="0"/>
+            <a:alphaOff val="0"/>
+          </a:schemeClr>
+        </a:solidFill>
+        <a:ln w="25400" cap="flat" cmpd="sng" algn="ctr">
+          <a:solidFill>
+            <a:schemeClr val="lt1">
+              <a:hueOff val="0"/>
+              <a:satOff val="0"/>
+              <a:lumOff val="0"/>
+              <a:alphaOff val="0"/>
+            </a:schemeClr>
+          </a:solidFill>
+          <a:prstDash val="solid"/>
+        </a:ln>
+        <a:effectLst/>
+      </dsp:spPr>
+      <dsp:style>
+        <a:lnRef idx="2">
+          <a:scrgbClr r="0" g="0" b="0"/>
+        </a:lnRef>
+        <a:fillRef idx="1">
+          <a:scrgbClr r="0" g="0" b="0"/>
+        </a:fillRef>
+        <a:effectRef idx="0">
+          <a:scrgbClr r="0" g="0" b="0"/>
+        </a:effectRef>
+        <a:fontRef idx="minor">
+          <a:schemeClr val="lt1"/>
+        </a:fontRef>
+      </dsp:style>
+      <dsp:txBody>
+        <a:bodyPr spcFirstLastPara="0" vert="horz" wrap="square" lIns="17145" tIns="17145" rIns="17145" bIns="17145" numCol="1" spcCol="1270" anchor="ctr" anchorCtr="0">
+          <a:noAutofit/>
+        </a:bodyPr>
+        <a:lstStyle/>
+        <a:p>
+          <a:pPr marL="0" lvl="0" indent="0" algn="ctr" defTabSz="1200150">
+            <a:lnSpc>
+              <a:spcPct val="90000"/>
+            </a:lnSpc>
+            <a:spcBef>
+              <a:spcPct val="0"/>
+            </a:spcBef>
+            <a:spcAft>
+              <a:spcPct val="35000"/>
+            </a:spcAft>
+            <a:buNone/>
+          </a:pPr>
+          <a:r>
+            <a:rPr lang="en-AU" sz="2700" kern="1200" dirty="0"/>
+            <a:t>Kernel</a:t>
+          </a:r>
+        </a:p>
+      </dsp:txBody>
+      <dsp:txXfrm>
+        <a:off x="3212945" y="1"/>
+        <a:ext cx="1440862" cy="540122"/>
+      </dsp:txXfrm>
+    </dsp:sp>
+    <dsp:sp modelId="{74A992A9-B724-4BD6-9975-F7C1FE9FF557}">
+      <dsp:nvSpPr>
+        <dsp:cNvPr id="0" name=""/>
+        <dsp:cNvSpPr/>
+      </dsp:nvSpPr>
+      <dsp:spPr>
+        <a:xfrm>
+          <a:off x="1138715" y="767558"/>
+          <a:ext cx="1637164" cy="540122"/>
+        </a:xfrm>
+        <a:prstGeom prst="rect">
+          <a:avLst/>
+        </a:prstGeom>
+        <a:solidFill>
+          <a:schemeClr val="accent1">
+            <a:hueOff val="0"/>
+            <a:satOff val="0"/>
+            <a:lumOff val="0"/>
+            <a:alphaOff val="0"/>
+          </a:schemeClr>
+        </a:solidFill>
+        <a:ln w="25400" cap="flat" cmpd="sng" algn="ctr">
+          <a:solidFill>
+            <a:schemeClr val="lt1">
+              <a:hueOff val="0"/>
+              <a:satOff val="0"/>
+              <a:lumOff val="0"/>
+              <a:alphaOff val="0"/>
+            </a:schemeClr>
+          </a:solidFill>
+          <a:prstDash val="solid"/>
+        </a:ln>
+        <a:effectLst/>
+      </dsp:spPr>
+      <dsp:style>
+        <a:lnRef idx="2">
+          <a:scrgbClr r="0" g="0" b="0"/>
+        </a:lnRef>
+        <a:fillRef idx="1">
+          <a:scrgbClr r="0" g="0" b="0"/>
+        </a:fillRef>
+        <a:effectRef idx="0">
+          <a:scrgbClr r="0" g="0" b="0"/>
+        </a:effectRef>
+        <a:fontRef idx="minor">
+          <a:schemeClr val="lt1"/>
+        </a:fontRef>
+      </dsp:style>
+      <dsp:txBody>
+        <a:bodyPr spcFirstLastPara="0" vert="horz" wrap="square" lIns="17145" tIns="17145" rIns="17145" bIns="17145" numCol="1" spcCol="1270" anchor="ctr" anchorCtr="0">
+          <a:noAutofit/>
+        </a:bodyPr>
+        <a:lstStyle/>
+        <a:p>
+          <a:pPr marL="0" lvl="0" indent="0" algn="ctr" defTabSz="1200150">
+            <a:lnSpc>
+              <a:spcPct val="90000"/>
+            </a:lnSpc>
+            <a:spcBef>
+              <a:spcPct val="0"/>
+            </a:spcBef>
+            <a:spcAft>
+              <a:spcPct val="35000"/>
+            </a:spcAft>
+            <a:buNone/>
+          </a:pPr>
+          <a:r>
+            <a:rPr lang="en-AU" sz="2700" kern="1200" dirty="0"/>
+            <a:t>Host</a:t>
+          </a:r>
+        </a:p>
+      </dsp:txBody>
+      <dsp:txXfrm>
+        <a:off x="1138715" y="767558"/>
+        <a:ext cx="1637164" cy="540122"/>
+      </dsp:txXfrm>
+    </dsp:sp>
+    <dsp:sp modelId="{5876DC7A-6515-4420-9B91-EA47EDD55D64}">
+      <dsp:nvSpPr>
+        <dsp:cNvPr id="0" name=""/>
+        <dsp:cNvSpPr/>
+      </dsp:nvSpPr>
+      <dsp:spPr>
+        <a:xfrm>
+          <a:off x="3002730" y="767558"/>
+          <a:ext cx="1897308" cy="540122"/>
+        </a:xfrm>
+        <a:prstGeom prst="rect">
+          <a:avLst/>
+        </a:prstGeom>
+        <a:solidFill>
+          <a:schemeClr val="accent1">
+            <a:hueOff val="0"/>
+            <a:satOff val="0"/>
+            <a:lumOff val="0"/>
+            <a:alphaOff val="0"/>
+          </a:schemeClr>
+        </a:solidFill>
+        <a:ln w="25400" cap="flat" cmpd="sng" algn="ctr">
+          <a:solidFill>
+            <a:schemeClr val="lt1">
+              <a:hueOff val="0"/>
+              <a:satOff val="0"/>
+              <a:lumOff val="0"/>
+              <a:alphaOff val="0"/>
+            </a:schemeClr>
+          </a:solidFill>
+          <a:prstDash val="solid"/>
+        </a:ln>
+        <a:effectLst/>
+      </dsp:spPr>
+      <dsp:style>
+        <a:lnRef idx="2">
+          <a:scrgbClr r="0" g="0" b="0"/>
+        </a:lnRef>
+        <a:fillRef idx="1">
+          <a:scrgbClr r="0" g="0" b="0"/>
+        </a:fillRef>
+        <a:effectRef idx="0">
+          <a:scrgbClr r="0" g="0" b="0"/>
+        </a:effectRef>
+        <a:fontRef idx="minor">
+          <a:schemeClr val="lt1"/>
+        </a:fontRef>
+      </dsp:style>
+      <dsp:txBody>
+        <a:bodyPr spcFirstLastPara="0" vert="horz" wrap="square" lIns="17145" tIns="17145" rIns="17145" bIns="17145" numCol="1" spcCol="1270" anchor="ctr" anchorCtr="0">
+          <a:noAutofit/>
+        </a:bodyPr>
+        <a:lstStyle/>
+        <a:p>
+          <a:pPr marL="0" lvl="0" indent="0" algn="ctr" defTabSz="1200150">
+            <a:lnSpc>
+              <a:spcPct val="90000"/>
+            </a:lnSpc>
+            <a:spcBef>
+              <a:spcPct val="0"/>
+            </a:spcBef>
+            <a:spcAft>
+              <a:spcPct val="35000"/>
+            </a:spcAft>
+            <a:buNone/>
+          </a:pPr>
+          <a:r>
+            <a:rPr lang="en-AU" sz="2700" kern="1200" dirty="0"/>
+            <a:t>Container 1</a:t>
+          </a:r>
+        </a:p>
+      </dsp:txBody>
+      <dsp:txXfrm>
+        <a:off x="3002730" y="767558"/>
+        <a:ext cx="1897308" cy="540122"/>
+      </dsp:txXfrm>
+    </dsp:sp>
+    <dsp:sp modelId="{60B40BFA-B5F1-40FB-A440-9A8005673C5B}">
+      <dsp:nvSpPr>
+        <dsp:cNvPr id="0" name=""/>
+        <dsp:cNvSpPr/>
+      </dsp:nvSpPr>
+      <dsp:spPr>
+        <a:xfrm>
+          <a:off x="5126890" y="767558"/>
+          <a:ext cx="1862394" cy="540122"/>
+        </a:xfrm>
+        <a:prstGeom prst="rect">
+          <a:avLst/>
+        </a:prstGeom>
+        <a:solidFill>
+          <a:schemeClr val="accent1">
+            <a:hueOff val="0"/>
+            <a:satOff val="0"/>
+            <a:lumOff val="0"/>
+            <a:alphaOff val="0"/>
+          </a:schemeClr>
+        </a:solidFill>
+        <a:ln w="25400" cap="flat" cmpd="sng" algn="ctr">
+          <a:solidFill>
+            <a:schemeClr val="lt1">
+              <a:hueOff val="0"/>
+              <a:satOff val="0"/>
+              <a:lumOff val="0"/>
+              <a:alphaOff val="0"/>
+            </a:schemeClr>
+          </a:solidFill>
+          <a:prstDash val="solid"/>
+        </a:ln>
+        <a:effectLst/>
+      </dsp:spPr>
+      <dsp:style>
+        <a:lnRef idx="2">
+          <a:scrgbClr r="0" g="0" b="0"/>
+        </a:lnRef>
+        <a:fillRef idx="1">
+          <a:scrgbClr r="0" g="0" b="0"/>
+        </a:fillRef>
+        <a:effectRef idx="0">
+          <a:scrgbClr r="0" g="0" b="0"/>
+        </a:effectRef>
+        <a:fontRef idx="minor">
+          <a:schemeClr val="lt1"/>
+        </a:fontRef>
+      </dsp:style>
+      <dsp:txBody>
+        <a:bodyPr spcFirstLastPara="0" vert="horz" wrap="square" lIns="17145" tIns="17145" rIns="17145" bIns="17145" numCol="1" spcCol="1270" anchor="ctr" anchorCtr="0">
+          <a:noAutofit/>
+        </a:bodyPr>
+        <a:lstStyle/>
+        <a:p>
+          <a:pPr marL="0" lvl="0" indent="0" algn="ctr" defTabSz="1200150">
+            <a:lnSpc>
+              <a:spcPct val="90000"/>
+            </a:lnSpc>
+            <a:spcBef>
+              <a:spcPct val="0"/>
+            </a:spcBef>
+            <a:spcAft>
+              <a:spcPct val="35000"/>
+            </a:spcAft>
+            <a:buNone/>
+          </a:pPr>
+          <a:r>
+            <a:rPr lang="en-AU" sz="2700" kern="1200" dirty="0"/>
+            <a:t>Container 2</a:t>
+          </a:r>
+        </a:p>
+      </dsp:txBody>
+      <dsp:txXfrm>
+        <a:off x="5126890" y="767558"/>
+        <a:ext cx="1862394" cy="540122"/>
+      </dsp:txXfrm>
+    </dsp:sp>
+  </dsp:spTree>
+</dsp:drawing>
+</file>
+
+<file path=ppt/diagrams/layout1.xml><?xml version="1.0" encoding="utf-8"?>
+<dgm:layoutDef xmlns:dgm="http://schemas.openxmlformats.org/drawingml/2006/diagram" xmlns:a="http://schemas.openxmlformats.org/drawingml/2006/main" uniqueId="urn:microsoft.com/office/officeart/2005/8/layout/orgChart1">
+  <dgm:title val=""/>
+  <dgm:desc val=""/>
+  <dgm:catLst>
+    <dgm:cat type="hierarchy" pri="1000"/>
+    <dgm:cat type="convert" pri="6000"/>
+  </dgm:catLst>
+  <dgm:sampData>
+    <dgm:dataModel>
+      <dgm:ptLst>
+        <dgm:pt modelId="0" type="doc"/>
+        <dgm:pt modelId="1">
+          <dgm:prSet phldr="1"/>
+        </dgm:pt>
+        <dgm:pt modelId="2" type="asst">
+          <dgm:prSet phldr="1"/>
+        </dgm:pt>
+        <dgm:pt modelId="3">
+          <dgm:prSet phldr="1"/>
+        </dgm:pt>
+        <dgm:pt modelId="4">
+          <dgm:prSet phldr="1"/>
+        </dgm:pt>
+        <dgm:pt modelId="5">
+          <dgm:prSet phldr="1"/>
+        </dgm:pt>
+      </dgm:ptLst>
+      <dgm:cxnLst>
+        <dgm:cxn modelId="5" srcId="0" destId="1" srcOrd="0" destOrd="0"/>
+        <dgm:cxn modelId="6" srcId="1" destId="2" srcOrd="0" destOrd="0"/>
+        <dgm:cxn modelId="7" srcId="1" destId="3" srcOrd="1" destOrd="0"/>
+        <dgm:cxn modelId="8" srcId="1" destId="4" srcOrd="2" destOrd="0"/>
+        <dgm:cxn modelId="9" srcId="1" destId="5" srcOrd="3" destOrd="0"/>
+      </dgm:cxnLst>
+      <dgm:bg/>
+      <dgm:whole/>
+    </dgm:dataModel>
+  </dgm:sampData>
+  <dgm:styleData>
+    <dgm:dataModel>
+      <dgm:ptLst>
+        <dgm:pt modelId="0" type="doc"/>
+        <dgm:pt modelId="1"/>
+        <dgm:pt modelId="12"/>
+        <dgm:pt modelId="13"/>
+      </dgm:ptLst>
+      <dgm:cxnLst>
+        <dgm:cxn modelId="2" srcId="0" destId="1" srcOrd="0" destOrd="0"/>
+        <dgm:cxn modelId="16" srcId="1" destId="12" srcOrd="1" destOrd="0"/>
+        <dgm:cxn modelId="17" srcId="1" destId="13" srcOrd="2" destOrd="0"/>
+      </dgm:cxnLst>
+      <dgm:bg/>
+      <dgm:whole/>
+    </dgm:dataModel>
+  </dgm:styleData>
+  <dgm:clrData>
+    <dgm:dataModel>
+      <dgm:ptLst>
+        <dgm:pt modelId="0" type="doc"/>
+        <dgm:pt modelId="1"/>
+        <dgm:pt modelId="11" type="asst"/>
+        <dgm:pt modelId="12"/>
+        <dgm:pt modelId="13"/>
+        <dgm:pt modelId="14"/>
+      </dgm:ptLst>
+      <dgm:cxnLst>
+        <dgm:cxn modelId="2" srcId="0" destId="1" srcOrd="0" destOrd="0"/>
+        <dgm:cxn modelId="15" srcId="1" destId="11" srcOrd="0" destOrd="0"/>
+        <dgm:cxn modelId="16" srcId="1" destId="12" srcOrd="1" destOrd="0"/>
+        <dgm:cxn modelId="17" srcId="1" destId="13" srcOrd="2" destOrd="0"/>
+        <dgm:cxn modelId="18" srcId="1" destId="14" srcOrd="2" destOrd="0"/>
+      </dgm:cxnLst>
+      <dgm:bg/>
+      <dgm:whole/>
+    </dgm:dataModel>
+  </dgm:clrData>
+  <dgm:layoutNode name="hierChild1">
+    <dgm:varLst>
+      <dgm:orgChart val="1"/>
+      <dgm:chPref val="1"/>
+      <dgm:dir/>
+      <dgm:animOne val="branch"/>
+      <dgm:animLvl val="lvl"/>
+      <dgm:resizeHandles/>
+    </dgm:varLst>
+    <dgm:choose name="Name0">
+      <dgm:if name="Name1" func="var" arg="dir" op="equ" val="norm">
+        <dgm:alg type="hierChild">
+          <dgm:param type="linDir" val="fromL"/>
+        </dgm:alg>
+      </dgm:if>
+      <dgm:else name="Name2">
+        <dgm:alg type="hierChild">
+          <dgm:param type="linDir" val="fromR"/>
+        </dgm:alg>
+      </dgm:else>
+    </dgm:choose>
+    <dgm:shape xmlns:r="http://schemas.openxmlformats.org/officeDocument/2006/relationships" r:blip="">
+      <dgm:adjLst/>
+    </dgm:shape>
+    <dgm:presOf/>
+    <dgm:constrLst>
+      <dgm:constr type="w" for="des" forName="rootComposite1" refType="w" fact="10"/>
+      <dgm:constr type="h" for="des" forName="rootComposite1" refType="w" refFor="des" refForName="rootComposite1" fact="0.5"/>
+      <dgm:constr type="w" for="des" forName="rootComposite" refType="w" fact="10"/>
+      <dgm:constr type="h" for="des" forName="rootComposite" refType="w" refFor="des" refForName="rootComposite1" fact="0.5"/>
+      <dgm:constr type="w" for="des" forName="rootComposite3" refType="w" fact="10"/>
+      <dgm:constr type="h" for="des" forName="rootComposite3" refType="w" refFor="des" refForName="rootComposite1" fact="0.5"/>
+      <dgm:constr type="primFontSz" for="des" ptType="node" op="equ"/>
+      <dgm:constr type="sp" for="des" op="equ"/>
+      <dgm:constr type="sp" for="des" forName="hierRoot1" refType="w" refFor="des" refForName="rootComposite1" fact="0.21"/>
+      <dgm:constr type="sp" for="des" forName="hierRoot2" refType="sp" refFor="des" refForName="hierRoot1"/>
+      <dgm:constr type="sp" for="des" forName="hierRoot3" refType="sp" refFor="des" refForName="hierRoot1"/>
+      <dgm:constr type="sibSp" refType="w" refFor="des" refForName="rootComposite1" fact="0.21"/>
+      <dgm:constr type="sibSp" for="des" forName="hierChild2" refType="sibSp"/>
+      <dgm:constr type="sibSp" for="des" forName="hierChild3" refType="sibSp"/>
+      <dgm:constr type="sibSp" for="des" forName="hierChild4" refType="sibSp"/>
+      <dgm:constr type="sibSp" for="des" forName="hierChild5" refType="sibSp"/>
+      <dgm:constr type="sibSp" for="des" forName="hierChild6" refType="sibSp"/>
+      <dgm:constr type="sibSp" for="des" forName="hierChild7" refType="sibSp"/>
+      <dgm:constr type="secSibSp" refType="w" refFor="des" refForName="rootComposite1" fact="0.21"/>
+      <dgm:constr type="secSibSp" for="des" forName="hierChild2" refType="secSibSp"/>
+      <dgm:constr type="secSibSp" for="des" forName="hierChild3" refType="secSibSp"/>
+      <dgm:constr type="secSibSp" for="des" forName="hierChild4" refType="secSibSp"/>
+      <dgm:constr type="secSibSp" for="des" forName="hierChild5" refType="secSibSp"/>
+      <dgm:constr type="secSibSp" for="des" forName="hierChild6" refType="secSibSp"/>
+      <dgm:constr type="secSibSp" for="des" forName="hierChild7" refType="secSibSp"/>
+    </dgm:constrLst>
+    <dgm:ruleLst/>
+    <dgm:forEach name="Name3" axis="ch">
+      <dgm:forEach name="Name4" axis="self" ptType="node">
+        <dgm:layoutNode name="hierRoot1">
+          <dgm:varLst>
+            <dgm:hierBranch val="init"/>
+          </dgm:varLst>
+          <dgm:choose name="Name5">
+            <dgm:if name="Name6" func="var" arg="hierBranch" op="equ" val="l">
+              <dgm:choose name="Name7">
+                <dgm:if name="Name8" axis="ch" ptType="asst" func="cnt" op="gte" val="1">
+                  <dgm:alg type="hierRoot">
+                    <dgm:param type="hierAlign" val="tR"/>
+                  </dgm:alg>
+                  <dgm:constrLst>
+                    <dgm:constr type="alignOff" val="0.65"/>
+                  </dgm:constrLst>
+                </dgm:if>
+                <dgm:else name="Name9">
+                  <dgm:alg type="hierRoot">
+                    <dgm:param type="hierAlign" val="tR"/>
+                  </dgm:alg>
+                  <dgm:constrLst>
+                    <dgm:constr type="alignOff" val="0.25"/>
+                  </dgm:constrLst>
+                </dgm:else>
+              </dgm:choose>
+            </dgm:if>
+            <dgm:if name="Name10" func="var" arg="hierBranch" op="equ" val="r">
+              <dgm:choose name="Name11">
+                <dgm:if name="Name12" axis="ch" ptType="asst" func="cnt" op="gte" val="1">
+                  <dgm:alg type="hierRoot">
+                    <dgm:param type="hierAlign" val="tL"/>
+                  </dgm:alg>
+                  <dgm:constrLst>
+                    <dgm:constr type="alignOff" val="0.65"/>
+                  </dgm:constrLst>
+                </dgm:if>
+                <dgm:else name="Name13">
+                  <dgm:alg type="hierRoot">
+                    <dgm:param type="hierAlign" val="tL"/>
+                  </dgm:alg>
+                  <dgm:constrLst>
+                    <dgm:constr type="alignOff" val="0.25"/>
+                  </dgm:constrLst>
+                </dgm:else>
+              </dgm:choose>
+            </dgm:if>
+            <dgm:if name="Name14" func="var" arg="hierBranch" op="equ" val="hang">
+              <dgm:alg type="hierRoot"/>
+              <dgm:constrLst>
+                <dgm:constr type="alignOff" val="0.65"/>
+              </dgm:constrLst>
+            </dgm:if>
+            <dgm:else name="Name15">
+              <dgm:alg type="hierRoot"/>
+              <dgm:constrLst>
+                <dgm:constr type="alignOff"/>
+                <dgm:constr type="bendDist" for="des" ptType="parTrans" refType="sp" fact="0.5"/>
+              </dgm:constrLst>
+            </dgm:else>
+          </dgm:choose>
+          <dgm:shape xmlns:r="http://schemas.openxmlformats.org/officeDocument/2006/relationships" r:blip="">
+            <dgm:adjLst/>
+          </dgm:shape>
+          <dgm:presOf/>
+          <dgm:ruleLst/>
+          <dgm:layoutNode name="rootComposite1">
+            <dgm:alg type="composite"/>
+            <dgm:shape xmlns:r="http://schemas.openxmlformats.org/officeDocument/2006/relationships" r:blip="">
+              <dgm:adjLst/>
+            </dgm:shape>
+            <dgm:presOf axis="self" ptType="node" cnt="1"/>
+            <dgm:choose name="Name16">
+              <dgm:if name="Name17" func="var" arg="hierBranch" op="equ" val="init">
+                <dgm:constrLst>
+                  <dgm:constr type="l" for="ch" forName="rootText1"/>
+                  <dgm:constr type="t" for="ch" forName="rootText1"/>
+                  <dgm:constr type="w" for="ch" forName="rootText1" refType="w"/>
+                  <dgm:constr type="h" for="ch" forName="rootText1" refType="h"/>
+                  <dgm:constr type="l" for="ch" forName="rootConnector1"/>
+                  <dgm:constr type="t" for="ch" forName="rootConnector1"/>
+                  <dgm:constr type="w" for="ch" forName="rootConnector1" refType="w" refFor="ch" refForName="rootText1" fact="0.2"/>
+                  <dgm:constr type="h" for="ch" forName="rootConnector1" refType="h" refFor="ch" refForName="rootText1"/>
+                </dgm:constrLst>
+              </dgm:if>
+              <dgm:if name="Name18" func="var" arg="hierBranch" op="equ" val="l">
+                <dgm:constrLst>
+                  <dgm:constr type="l" for="ch" forName="rootText1"/>
+                  <dgm:constr type="t" for="ch" forName="rootText1"/>
+                  <dgm:constr type="w" for="ch" forName="rootText1" refType="w"/>
+                  <dgm:constr type="h" for="ch" forName="rootText1" refType="h"/>
+                  <dgm:constr type="r" for="ch" forName="rootConnector1" refType="w"/>
+                  <dgm:constr type="t" for="ch" forName="rootConnector1"/>
+                  <dgm:constr type="w" for="ch" forName="rootConnector1" refType="w" refFor="ch" refForName="rootText1" fact="0.2"/>
+                  <dgm:constr type="h" for="ch" forName="rootConnector1" refType="h" refFor="ch" refForName="rootText1"/>
+                </dgm:constrLst>
+              </dgm:if>
+              <dgm:if name="Name19" func="var" arg="hierBranch" op="equ" val="r">
+                <dgm:constrLst>
+                  <dgm:constr type="l" for="ch" forName="rootText1"/>
+                  <dgm:constr type="t" for="ch" forName="rootText1"/>
+                  <dgm:constr type="w" for="ch" forName="rootText1" refType="w"/>
+                  <dgm:constr type="h" for="ch" forName="rootText1" refType="h"/>
+                  <dgm:constr type="l" for="ch" forName="rootConnector1"/>
+                  <dgm:constr type="t" for="ch" forName="rootConnector1"/>
+                  <dgm:constr type="w" for="ch" forName="rootConnector1" refType="w" refFor="ch" refForName="rootText1" fact="0.2"/>
+                  <dgm:constr type="h" for="ch" forName="rootConnector1" refType="h" refFor="ch" refForName="rootText1"/>
+                </dgm:constrLst>
+              </dgm:if>
+              <dgm:else name="Name20">
+                <dgm:constrLst>
+                  <dgm:constr type="l" for="ch" forName="rootText1"/>
+                  <dgm:constr type="t" for="ch" forName="rootText1"/>
+                  <dgm:constr type="w" for="ch" forName="rootText1" refType="w"/>
+                  <dgm:constr type="h" for="ch" forName="rootText1" refType="h"/>
+                  <dgm:constr type="r" for="ch" forName="rootConnector1" refType="w"/>
+                  <dgm:constr type="t" for="ch" forName="rootConnector1"/>
+                  <dgm:constr type="w" for="ch" forName="rootConnector1" refType="w" refFor="ch" refForName="rootText1" fact="0.2"/>
+                  <dgm:constr type="h" for="ch" forName="rootConnector1" refType="h" refFor="ch" refForName="rootText1"/>
+                </dgm:constrLst>
+              </dgm:else>
+            </dgm:choose>
+            <dgm:ruleLst/>
+            <dgm:layoutNode name="rootText1" styleLbl="node0">
+              <dgm:varLst>
+                <dgm:chPref val="3"/>
+              </dgm:varLst>
+              <dgm:alg type="tx"/>
+              <dgm:shape xmlns:r="http://schemas.openxmlformats.org/officeDocument/2006/relationships" type="rect" r:blip="">
+                <dgm:adjLst/>
+              </dgm:shape>
+              <dgm:presOf axis="self" ptType="node" cnt="1"/>
+              <dgm:constrLst>
+                <dgm:constr type="primFontSz" val="65"/>
+                <dgm:constr type="lMarg" refType="primFontSz" fact="0.05"/>
+                <dgm:constr type="rMarg" refType="primFontSz" fact="0.05"/>
+                <dgm:constr type="tMarg" refType="primFontSz" fact="0.05"/>
+                <dgm:constr type="bMarg" refType="primFontSz" fact="0.05"/>
+              </dgm:constrLst>
+              <dgm:ruleLst>
+                <dgm:rule type="primFontSz" val="5" fact="NaN" max="NaN"/>
+              </dgm:ruleLst>
+            </dgm:layoutNode>
+            <dgm:layoutNode name="rootConnector1" moveWith="rootText1">
+              <dgm:alg type="sp"/>
+              <dgm:shape xmlns:r="http://schemas.openxmlformats.org/officeDocument/2006/relationships" type="rect" r:blip="" hideGeom="1">
+                <dgm:adjLst/>
+              </dgm:shape>
+              <dgm:presOf axis="self" ptType="node" cnt="1"/>
+              <dgm:constrLst/>
+              <dgm:ruleLst/>
+            </dgm:layoutNode>
+          </dgm:layoutNode>
+          <dgm:layoutNode name="hierChild2">
+            <dgm:choose name="Name21">
+              <dgm:if name="Name22" func="var" arg="hierBranch" op="equ" val="l">
+                <dgm:alg type="hierChild">
+                  <dgm:param type="chAlign" val="r"/>
+                  <dgm:param type="linDir" val="fromT"/>
+                </dgm:alg>
+              </dgm:if>
+              <dgm:if name="Name23" func="var" arg="hierBranch" op="equ" val="r">
+                <dgm:alg type="hierChild">
+                  <dgm:param type="chAlign" val="l"/>
+                  <dgm:param type="linDir" val="fromT"/>
+                </dgm:alg>
+              </dgm:if>
+              <dgm:if name="Name24" func="var" arg="hierBranch" op="equ" val="hang">
+                <dgm:choose name="Name25">
+                  <dgm:if name="Name26" func="var" arg="dir" op="equ" val="norm">
+                    <dgm:alg type="hierChild">
+                      <dgm:param type="chAlign" val="l"/>
+                      <dgm:param type="linDir" val="fromL"/>
+                      <dgm:param type="secChAlign" val="t"/>
+                      <dgm:param type="secLinDir" val="fromT"/>
+                    </dgm:alg>
+                  </dgm:if>
+                  <dgm:else name="Name27">
+                    <dgm:alg type="hierChild">
+                      <dgm:param type="chAlign" val="l"/>
+                      <dgm:param type="linDir" val="fromR"/>
+                      <dgm:param type="secChAlign" val="t"/>
+                      <dgm:param type="secLinDir" val="fromT"/>
+                    </dgm:alg>
+                  </dgm:else>
+                </dgm:choose>
+              </dgm:if>
+              <dgm:else name="Name28">
+                <dgm:choose name="Name29">
+                  <dgm:if name="Name30" func="var" arg="dir" op="equ" val="norm">
+                    <dgm:alg type="hierChild"/>
+                  </dgm:if>
+                  <dgm:else name="Name31">
+                    <dgm:alg type="hierChild">
+                      <dgm:param type="linDir" val="fromR"/>
+                    </dgm:alg>
+                  </dgm:else>
+                </dgm:choose>
+              </dgm:else>
+            </dgm:choose>
+            <dgm:shape xmlns:r="http://schemas.openxmlformats.org/officeDocument/2006/relationships" r:blip="">
+              <dgm:adjLst/>
+            </dgm:shape>
+            <dgm:presOf/>
+            <dgm:constrLst/>
+            <dgm:ruleLst/>
+            <dgm:forEach name="rep2a" axis="ch" ptType="nonAsst">
+              <dgm:forEach name="Name32" axis="precedSib" ptType="parTrans" st="-1" cnt="1">
+                <dgm:choose name="Name33">
+                  <dgm:if name="Name34" func="var" arg="hierBranch" op="equ" val="std">
+                    <dgm:layoutNode name="Name35">
+                      <dgm:alg type="conn">
+                        <dgm:param type="connRout" val="bend"/>
+                        <dgm:param type="dim" val="1D"/>
+                        <dgm:param type="endSty" val="noArr"/>
+                        <dgm:param type="begPts" val="bCtr"/>
+                        <dgm:param type="endPts" val="tCtr"/>
+                        <dgm:param type="bendPt" val="end"/>
+                      </dgm:alg>
+                      <dgm:shape xmlns:r="http://schemas.openxmlformats.org/officeDocument/2006/relationships" type="conn" r:blip="" zOrderOff="-99999">
+                        <dgm:adjLst/>
+                      </dgm:shape>
+                      <dgm:presOf axis="self"/>
+                      <dgm:constrLst>
+                        <dgm:constr type="begPad"/>
+                        <dgm:constr type="endPad"/>
+                      </dgm:constrLst>
+                      <dgm:ruleLst/>
+                    </dgm:layoutNode>
+                  </dgm:if>
+                  <dgm:if name="Name36" func="var" arg="hierBranch" op="equ" val="init">
+                    <dgm:layoutNode name="Name37">
+                      <dgm:choose name="Name38">
+                        <dgm:if name="Name39" axis="self" func="depth" op="lte" val="2">
+                          <dgm:alg type="conn">
+                            <dgm:param type="connRout" val="bend"/>
+                            <dgm:param type="dim" val="1D"/>
+                            <dgm:param type="endSty" val="noArr"/>
+                            <dgm:param type="begPts" val="bCtr"/>
+                            <dgm:param type="endPts" val="tCtr"/>
+                            <dgm:param type="bendPt" val="end"/>
+                          </dgm:alg>
+                        </dgm:if>
+                        <dgm:else name="Name40">
+                          <dgm:choose name="Name41">
+                            <dgm:if name="Name42" axis="par des" func="maxDepth" op="lte" val="1">
+                              <dgm:choose name="Name43">
+                                <dgm:if name="Name44" axis="par ch" ptType="node asst" func="cnt" op="gte" val="1">
+                                  <dgm:alg type="conn">
+                                    <dgm:param type="connRout" val="bend"/>
+                                    <dgm:param type="dim" val="1D"/>
+                                    <dgm:param type="endSty" val="noArr"/>
+                                    <dgm:param type="begPts" val="bCtr"/>
+                                    <dgm:param type="endPts" val="midL midR"/>
+                                  </dgm:alg>
+                                </dgm:if>
+                                <dgm:else name="Name45">
+                                  <dgm:alg type="conn">
+                                    <dgm:param type="connRout" val="bend"/>
+                                    <dgm:param type="dim" val="1D"/>
+                                    <dgm:param type="endSty" val="noArr"/>
+                                    <dgm:param type="begPts" val="bCtr"/>
+                                    <dgm:param type="endPts" val="midL midR"/>
+                                    <dgm:param type="srcNode" val="rootConnector"/>
+                                  </dgm:alg>
+                                </dgm:else>
+                              </dgm:choose>
+                            </dgm:if>
+                            <dgm:else name="Name46">
+                              <dgm:alg type="conn">
+                                <dgm:param type="connRout" val="bend"/>
+                                <dgm:param type="dim" val="1D"/>
+                                <dgm:param type="endSty" val="noArr"/>
+                                <dgm:param type="begPts" val="bCtr"/>
+                                <dgm:param type="endPts" val="tCtr"/>
+                                <dgm:param type="bendPt" val="end"/>
+                              </dgm:alg>
+                            </dgm:else>
+                          </dgm:choose>
+                        </dgm:else>
+                      </dgm:choose>
+                      <dgm:shape xmlns:r="http://schemas.openxmlformats.org/officeDocument/2006/relationships" type="conn" r:blip="" zOrderOff="-99999">
+                        <dgm:adjLst/>
+                      </dgm:shape>
+                      <dgm:presOf axis="self"/>
+                      <dgm:constrLst>
+                        <dgm:constr type="begPad"/>
+                        <dgm:constr type="endPad"/>
+                      </dgm:constrLst>
+                      <dgm:ruleLst/>
+                    </dgm:layoutNode>
+                  </dgm:if>
+                  <dgm:if name="Name47" func="var" arg="hierBranch" op="equ" val="hang">
+                    <dgm:layoutNode name="Name48">
+                      <dgm:alg type="conn">
+                        <dgm:param type="connRout" val="bend"/>
+                        <dgm:param type="dim" val="1D"/>
+                        <dgm:param type="endSty" val="noArr"/>
+                        <dgm:param type="begPts" val="bCtr"/>
+                        <dgm:param type="endPts" val="midL midR"/>
+                      </dgm:alg>
+                      <dgm:shape xmlns:r="http://schemas.openxmlformats.org/officeDocument/2006/relationships" type="conn" r:blip="" zOrderOff="-99999">
+                        <dgm:adjLst/>
+                      </dgm:shape>
+                      <dgm:presOf axis="self"/>
+                      <dgm:constrLst>
+                        <dgm:constr type="begPad"/>
+                        <dgm:constr type="endPad"/>
+                      </dgm:constrLst>
+                      <dgm:ruleLst/>
+                    </dgm:layoutNode>
+                  </dgm:if>
+                  <dgm:else name="Name49">
+                    <dgm:layoutNode name="Name50">
+                      <dgm:choose name="Name51">
+                        <dgm:if name="Name52" axis="self" func="depth" op="lte" val="2">
+                          <dgm:choose name="Name53">
+                            <dgm:if name="Name54" axis="par ch" ptType="node asst" func="cnt" op="gte" val="1">
+                              <dgm:alg type="conn">
+                                <dgm:param type="connRout" val="bend"/>
+                                <dgm:param type="dim" val="1D"/>
+                                <dgm:param type="endSty" val="noArr"/>
+                                <dgm:param type="begPts" val="bCtr"/>
+                                <dgm:param type="endPts" val="midL midR"/>
+                              </dgm:alg>
+                            </dgm:if>
+                            <dgm:else name="Name55">
+                              <dgm:alg type="conn">
+                                <dgm:param type="connRout" val="bend"/>
+                                <dgm:param type="dim" val="1D"/>
+                                <dgm:param type="endSty" val="noArr"/>
+                                <dgm:param type="begPts" val="bCtr"/>
+                                <dgm:param type="endPts" val="midL midR"/>
+                                <dgm:param type="srcNode" val="rootConnector1"/>
+                              </dgm:alg>
+                            </dgm:else>
+                          </dgm:choose>
+                        </dgm:if>
+                        <dgm:else name="Name56">
+                          <dgm:choose name="Name57">
+                            <dgm:if name="Name58" axis="par ch" ptType="node asst" func="cnt" op="gte" val="1">
+                              <dgm:alg type="conn">
+                                <dgm:param type="connRout" val="bend"/>
+                                <dgm:param type="dim" val="1D"/>
+                                <dgm:param type="endSty" val="noArr"/>
+                                <dgm:param type="begPts" val="bCtr"/>
+                                <dgm:param type="endPts" val="midL midR"/>
+                              </dgm:alg>
+                            </dgm:if>
+                            <dgm:else name="Name59">
+                              <dgm:alg type="conn">
+                                <dgm:param type="connRout" val="bend"/>
+                                <dgm:param type="dim" val="1D"/>
+                                <dgm:param type="endSty" val="noArr"/>
+                                <dgm:param type="begPts" val="bCtr"/>
+                                <dgm:param type="endPts" val="midL midR"/>
+                                <dgm:param type="srcNode" val="rootConnector"/>
+                              </dgm:alg>
+                            </dgm:else>
+                          </dgm:choose>
+                        </dgm:else>
+                      </dgm:choose>
+                      <dgm:shape xmlns:r="http://schemas.openxmlformats.org/officeDocument/2006/relationships" type="conn" r:blip="" zOrderOff="-99999">
+                        <dgm:adjLst/>
+                      </dgm:shape>
+                      <dgm:presOf axis="self"/>
+                      <dgm:constrLst>
+                        <dgm:constr type="begPad"/>
+                        <dgm:constr type="endPad"/>
+                      </dgm:constrLst>
+                      <dgm:ruleLst/>
+                    </dgm:layoutNode>
+                  </dgm:else>
+                </dgm:choose>
+              </dgm:forEach>
+              <dgm:layoutNode name="hierRoot2">
+                <dgm:varLst>
+                  <dgm:hierBranch val="init"/>
+                </dgm:varLst>
+                <dgm:choose name="Name60">
+                  <dgm:if name="Name61" func="var" arg="hierBranch" op="equ" val="l">
+                    <dgm:choose name="Name62">
+                      <dgm:if name="Name63" axis="ch" ptType="asst" func="cnt" op="gte" val="1">
+                        <dgm:alg type="hierRoot">
+                          <dgm:param type="hierAlign" val="tR"/>
+                        </dgm:alg>
+                        <dgm:shape xmlns:r="http://schemas.openxmlformats.org/officeDocument/2006/relationships" r:blip="">
+                          <dgm:adjLst/>
+                        </dgm:shape>
+                        <dgm:presOf/>
+                        <dgm:constrLst>
+                          <dgm:constr type="alignOff" val="0.65"/>
+                        </dgm:constrLst>
+                      </dgm:if>
+                      <dgm:else name="Name64">
+                        <dgm:alg type="hierRoot">
+                          <dgm:param type="hierAlign" val="tR"/>
+                        </dgm:alg>
+                        <dgm:shape xmlns:r="http://schemas.openxmlformats.org/officeDocument/2006/relationships" r:blip="">
+                          <dgm:adjLst/>
+                        </dgm:shape>
+                        <dgm:presOf/>
+                        <dgm:constrLst>
+                          <dgm:constr type="alignOff" val="0.25"/>
+                        </dgm:constrLst>
+                      </dgm:else>
+                    </dgm:choose>
+                  </dgm:if>
+                  <dgm:if name="Name65" func="var" arg="hierBranch" op="equ" val="r">
+                    <dgm:choose name="Name66">
+                      <dgm:if name="Name67" axis="ch" ptType="asst" func="cnt" op="gte" val="1">
+                        <dgm:alg type="hierRoot">
+                          <dgm:param type="hierAlign" val="tL"/>
+                        </dgm:alg>
+                        <dgm:shape xmlns:r="http://schemas.openxmlformats.org/officeDocument/2006/relationships" r:blip="">
+                          <dgm:adjLst/>
+                        </dgm:shape>
+                        <dgm:presOf/>
+                        <dgm:constrLst>
+                          <dgm:constr type="alignOff" val="0.65"/>
+                        </dgm:constrLst>
+                      </dgm:if>
+                      <dgm:else name="Name68">
+                        <dgm:alg type="hierRoot">
+                          <dgm:param type="hierAlign" val="tL"/>
+                        </dgm:alg>
+                        <dgm:shape xmlns:r="http://schemas.openxmlformats.org/officeDocument/2006/relationships" r:blip="">
+                          <dgm:adjLst/>
+                        </dgm:shape>
+                        <dgm:presOf/>
+                        <dgm:constrLst>
+                          <dgm:constr type="alignOff" val="0.25"/>
+                        </dgm:constrLst>
+                      </dgm:else>
+                    </dgm:choose>
+                  </dgm:if>
+                  <dgm:if name="Name69" func="var" arg="hierBranch" op="equ" val="std">
+                    <dgm:alg type="hierRoot"/>
+                    <dgm:shape xmlns:r="http://schemas.openxmlformats.org/officeDocument/2006/relationships" r:blip="">
+                      <dgm:adjLst/>
+                    </dgm:shape>
+                    <dgm:presOf/>
+                    <dgm:constrLst>
+                      <dgm:constr type="alignOff"/>
+                      <dgm:constr type="bendDist" for="des" ptType="parTrans" refType="sp" fact="0.5"/>
+                    </dgm:constrLst>
+                  </dgm:if>
+                  <dgm:if name="Name70" func="var" arg="hierBranch" op="equ" val="init">
+                    <dgm:choose name="Name71">
+                      <dgm:if name="Name72" axis="des" func="maxDepth" op="lte" val="1">
+                        <dgm:choose name="Name73">
+                          <dgm:if name="Name74" axis="ch" ptType="asst" func="cnt" op="gte" val="1">
+                            <dgm:alg type="hierRoot">
+                              <dgm:param type="hierAlign" val="tL"/>
+                            </dgm:alg>
+                            <dgm:shape xmlns:r="http://schemas.openxmlformats.org/officeDocument/2006/relationships" r:blip="">
+                              <dgm:adjLst/>
+                            </dgm:shape>
+                            <dgm:presOf/>
+                            <dgm:constrLst>
+                              <dgm:constr type="alignOff" val="0.65"/>
+                            </dgm:constrLst>
+                          </dgm:if>
+                          <dgm:else name="Name75">
+                            <dgm:alg type="hierRoot">
+                              <dgm:param type="hierAlign" val="tL"/>
+                            </dgm:alg>
+                            <dgm:shape xmlns:r="http://schemas.openxmlformats.org/officeDocument/2006/relationships" r:blip="">
+                              <dgm:adjLst/>
+                            </dgm:shape>
+                            <dgm:presOf/>
+                            <dgm:constrLst>
+                              <dgm:constr type="alignOff" val="0.25"/>
+                            </dgm:constrLst>
+                          </dgm:else>
+                        </dgm:choose>
+                      </dgm:if>
+                      <dgm:else name="Name76">
+                        <dgm:alg type="hierRoot"/>
+                        <dgm:shape xmlns:r="http://schemas.openxmlformats.org/officeDocument/2006/relationships" r:blip="">
+                          <dgm:adjLst/>
+                        </dgm:shape>
+                        <dgm:presOf/>
+                        <dgm:constrLst>
+                          <dgm:constr type="alignOff"/>
+                          <dgm:constr type="bendDist" for="des" ptType="parTrans" refType="sp" fact="0.5"/>
+                        </dgm:constrLst>
+                      </dgm:else>
+                    </dgm:choose>
+                  </dgm:if>
+                  <dgm:else name="Name77">
+                    <dgm:alg type="hierRoot"/>
+                    <dgm:shape xmlns:r="http://schemas.openxmlformats.org/officeDocument/2006/relationships" r:blip="">
+                      <dgm:adjLst/>
+                    </dgm:shape>
+                    <dgm:presOf/>
+                    <dgm:constrLst>
+                      <dgm:constr type="alignOff" val="0.65"/>
+                    </dgm:constrLst>
+                  </dgm:else>
+                </dgm:choose>
+                <dgm:ruleLst/>
+                <dgm:layoutNode name="rootComposite">
+                  <dgm:alg type="composite"/>
+                  <dgm:shape xmlns:r="http://schemas.openxmlformats.org/officeDocument/2006/relationships" r:blip="">
+                    <dgm:adjLst/>
+                  </dgm:shape>
+                  <dgm:presOf axis="self" ptType="node" cnt="1"/>
+                  <dgm:choose name="Name78">
+                    <dgm:if name="Name79" func="var" arg="hierBranch" op="equ" val="init">
+                      <dgm:constrLst>
+                        <dgm:constr type="l" for="ch" forName="rootText"/>
+                        <dgm:constr type="t" for="ch" forName="rootText"/>
+                        <dgm:constr type="w" for="ch" forName="rootText" refType="w"/>
+                        <dgm:constr type="h" for="ch" forName="rootText" refType="h"/>
+                        <dgm:constr type="l" for="ch" forName="rootConnector"/>
+                        <dgm:constr type="t" for="ch" forName="rootConnector"/>
+                        <dgm:constr type="w" for="ch" forName="rootConnector" refType="w" refFor="ch" refForName="rootText" fact="0.2"/>
+                        <dgm:constr type="h" for="ch" forName="rootConnector" refType="h" refFor="ch" refForName="rootText"/>
+                      </dgm:constrLst>
+                    </dgm:if>
+                    <dgm:if name="Name80" func="var" arg="hierBranch" op="equ" val="l">
+                      <dgm:constrLst>
+                        <dgm:constr type="l" for="ch" forName="rootText"/>
+                        <dgm:constr type="t" for="ch" forName="rootText"/>
+                        <dgm:constr type="w" for="ch" forName="rootText" refType="w"/>
+                        <dgm:constr type="h" for="ch" forName="rootText" refType="h"/>
+                        <dgm:constr type="r" for="ch" forName="rootConnector" refType="w"/>
+                        <dgm:constr type="t" for="ch" forName="rootConnector"/>
+                        <dgm:constr type="w" for="ch" forName="rootConnector" refType="w" refFor="ch" refForName="rootText" fact="0.2"/>
+                        <dgm:constr type="h" for="ch" forName="rootConnector" refType="h" refFor="ch" refForName="rootText"/>
+                      </dgm:constrLst>
+                    </dgm:if>
+                    <dgm:if name="Name81" func="var" arg="hierBranch" op="equ" val="r">
+                      <dgm:constrLst>
+                        <dgm:constr type="l" for="ch" forName="rootText"/>
+                        <dgm:constr type="t" for="ch" forName="rootText"/>
+                        <dgm:constr type="w" for="ch" forName="rootText" refType="w"/>
+                        <dgm:constr type="h" for="ch" forName="rootText" refType="h"/>
+                        <dgm:constr type="l" for="ch" forName="rootConnector"/>
+                        <dgm:constr type="t" for="ch" forName="rootConnector"/>
+                        <dgm:constr type="w" for="ch" forName="rootConnector" refType="w" refFor="ch" refForName="rootText" fact="0.2"/>
+                        <dgm:constr type="h" for="ch" forName="rootConnector" refType="h" refFor="ch" refForName="rootText"/>
+                      </dgm:constrLst>
+                    </dgm:if>
+                    <dgm:else name="Name82">
+                      <dgm:constrLst>
+                        <dgm:constr type="l" for="ch" forName="rootText"/>
+                        <dgm:constr type="t" for="ch" forName="rootText"/>
+                        <dgm:constr type="w" for="ch" forName="rootText" refType="w"/>
+                        <dgm:constr type="h" for="ch" forName="rootText" refType="h"/>
+                        <dgm:constr type="r" for="ch" forName="rootConnector" refType="w"/>
+                        <dgm:constr type="t" for="ch" forName="rootConnector"/>
+                        <dgm:constr type="w" for="ch" forName="rootConnector" refType="w" refFor="ch" refForName="rootText" fact="0.2"/>
+                        <dgm:constr type="h" for="ch" forName="rootConnector" refType="h" refFor="ch" refForName="rootText"/>
+                      </dgm:constrLst>
+                    </dgm:else>
+                  </dgm:choose>
+                  <dgm:ruleLst/>
+                  <dgm:layoutNode name="rootText">
+                    <dgm:varLst>
+                      <dgm:chPref val="3"/>
+                    </dgm:varLst>
+                    <dgm:alg type="tx"/>
+                    <dgm:shape xmlns:r="http://schemas.openxmlformats.org/officeDocument/2006/relationships" type="rect" r:blip="">
+                      <dgm:adjLst/>
+                    </dgm:shape>
+                    <dgm:presOf axis="self" ptType="node" cnt="1"/>
+                    <dgm:constrLst>
+                      <dgm:constr type="primFontSz" val="65"/>
+                      <dgm:constr type="lMarg" refType="primFontSz" fact="0.05"/>
+                      <dgm:constr type="rMarg" refType="primFontSz" fact="0.05"/>
+                      <dgm:constr type="tMarg" refType="primFontSz" fact="0.05"/>
+                      <dgm:constr type="bMarg" refType="primFontSz" fact="0.05"/>
+                    </dgm:constrLst>
+                    <dgm:ruleLst>
+                      <dgm:rule type="primFontSz" val="5" fact="NaN" max="NaN"/>
+                    </dgm:ruleLst>
+                  </dgm:layoutNode>
+                  <dgm:layoutNode name="rootConnector" moveWith="rootText">
+                    <dgm:alg type="sp"/>
+                    <dgm:shape xmlns:r="http://schemas.openxmlformats.org/officeDocument/2006/relationships" type="rect" r:blip="" hideGeom="1">
+                      <dgm:adjLst/>
+                    </dgm:shape>
+                    <dgm:presOf axis="self" ptType="node" cnt="1"/>
+                    <dgm:constrLst/>
+                    <dgm:ruleLst/>
+                  </dgm:layoutNode>
+                </dgm:layoutNode>
+                <dgm:layoutNode name="hierChild4">
+                  <dgm:choose name="Name83">
+                    <dgm:if name="Name84" func="var" arg="hierBranch" op="equ" val="l">
+                      <dgm:alg type="hierChild">
+                        <dgm:param type="chAlign" val="r"/>
+                        <dgm:param type="linDir" val="fromT"/>
+                      </dgm:alg>
+                    </dgm:if>
+                    <dgm:if name="Name85" func="var" arg="hierBranch" op="equ" val="r">
+                      <dgm:alg type="hierChild">
+                        <dgm:param type="chAlign" val="l"/>
+                        <dgm:param type="linDir" val="fromT"/>
+                      </dgm:alg>
+                    </dgm:if>
+                    <dgm:if name="Name86" func="var" arg="hierBranch" op="equ" val="hang">
+                      <dgm:choose name="Name87">
+                        <dgm:if name="Name88" func="var" arg="dir" op="equ" val="norm">
+                          <dgm:alg type="hierChild">
+                            <dgm:param type="chAlign" val="l"/>
+                            <dgm:param type="linDir" val="fromL"/>
+                            <dgm:param type="secChAlign" val="t"/>
+                            <dgm:param type="secLinDir" val="fromT"/>
+                          </dgm:alg>
+                        </dgm:if>
+                        <dgm:else name="Name89">
+                          <dgm:alg type="hierChild">
+                            <dgm:param type="chAlign" val="l"/>
+                            <dgm:param type="linDir" val="fromR"/>
+                            <dgm:param type="secChAlign" val="t"/>
+                            <dgm:param type="secLinDir" val="fromT"/>
+                          </dgm:alg>
+                        </dgm:else>
+                      </dgm:choose>
+                    </dgm:if>
+                    <dgm:if name="Name90" func="var" arg="hierBranch" op="equ" val="std">
+                      <dgm:choose name="Name91">
+                        <dgm:if name="Name92" func="var" arg="dir" op="equ" val="norm">
+                          <dgm:alg type="hierChild"/>
+                        </dgm:if>
+                        <dgm:else name="Name93">
+                          <dgm:alg type="hierChild">
+                            <dgm:param type="linDir" val="fromR"/>
+                          </dgm:alg>
+                        </dgm:else>
+                      </dgm:choose>
+                    </dgm:if>
+                    <dgm:if name="Name94" func="var" arg="hierBranch" op="equ" val="init">
+                      <dgm:choose name="Name95">
+                        <dgm:if name="Name96" axis="des" func="maxDepth" op="lte" val="1">
+                          <dgm:alg type="hierChild">
+                            <dgm:param type="chAlign" val="l"/>
+                            <dgm:param type="linDir" val="fromT"/>
+                          </dgm:alg>
+                        </dgm:if>
+                        <dgm:else name="Name97">
+                          <dgm:choose name="Name98">
+                            <dgm:if name="Name99" func="var" arg="dir" op="equ" val="norm">
+                              <dgm:alg type="hierChild"/>
+                            </dgm:if>
+                            <dgm:else name="Name100">
+                              <dgm:alg type="hierChild">
+                                <dgm:param type="linDir" val="fromR"/>
+                              </dgm:alg>
+                            </dgm:else>
+                          </dgm:choose>
+                        </dgm:else>
+                      </dgm:choose>
+                    </dgm:if>
+                    <dgm:else name="Name101"/>
+                  </dgm:choose>
+                  <dgm:shape xmlns:r="http://schemas.openxmlformats.org/officeDocument/2006/relationships" r:blip="">
+                    <dgm:adjLst/>
+                  </dgm:shape>
+                  <dgm:presOf/>
+                  <dgm:constrLst/>
+                  <dgm:ruleLst/>
+                  <dgm:forEach name="Name102" ref="rep2a"/>
+                </dgm:layoutNode>
+                <dgm:layoutNode name="hierChild5">
+                  <dgm:choose name="Name103">
+                    <dgm:if name="Name104" func="var" arg="dir" op="equ" val="norm">
+                      <dgm:alg type="hierChild">
+                        <dgm:param type="chAlign" val="l"/>
+                        <dgm:param type="linDir" val="fromL"/>
+                        <dgm:param type="secChAlign" val="t"/>
+                        <dgm:param type="secLinDir" val="fromT"/>
+                      </dgm:alg>
+                    </dgm:if>
+                    <dgm:else name="Name105">
+                      <dgm:alg type="hierChild">
+                        <dgm:param type="chAlign" val="l"/>
+                        <dgm:param type="linDir" val="fromR"/>
+                        <dgm:param type="secChAlign" val="t"/>
+                        <dgm:param type="secLinDir" val="fromT"/>
+                      </dgm:alg>
+                    </dgm:else>
+                  </dgm:choose>
+                  <dgm:shape xmlns:r="http://schemas.openxmlformats.org/officeDocument/2006/relationships" r:blip="">
+                    <dgm:adjLst/>
+                  </dgm:shape>
+                  <dgm:presOf/>
+                  <dgm:constrLst/>
+                  <dgm:ruleLst/>
+                  <dgm:forEach name="Name106" ref="rep2b"/>
+                </dgm:layoutNode>
+              </dgm:layoutNode>
+            </dgm:forEach>
+          </dgm:layoutNode>
+          <dgm:layoutNode name="hierChild3">
+            <dgm:choose name="Name107">
+              <dgm:if name="Name108" func="var" arg="dir" op="equ" val="norm">
+                <dgm:alg type="hierChild">
+                  <dgm:param type="chAlign" val="l"/>
+                  <dgm:param type="linDir" val="fromL"/>
+                  <dgm:param type="secChAlign" val="t"/>
+                  <dgm:param type="secLinDir" val="fromT"/>
+                </dgm:alg>
+              </dgm:if>
+              <dgm:else name="Name109">
+                <dgm:alg type="hierChild">
+                  <dgm:param type="chAlign" val="l"/>
+                  <dgm:param type="linDir" val="fromR"/>
+                  <dgm:param type="secChAlign" val="t"/>
+                  <dgm:param type="secLinDir" val="fromT"/>
+                </dgm:alg>
+              </dgm:else>
+            </dgm:choose>
+            <dgm:shape xmlns:r="http://schemas.openxmlformats.org/officeDocument/2006/relationships" r:blip="">
+              <dgm:adjLst/>
+            </dgm:shape>
+            <dgm:presOf/>
+            <dgm:constrLst/>
+            <dgm:ruleLst/>
+            <dgm:forEach name="rep2b" axis="ch" ptType="asst">
+              <dgm:forEach name="Name110" axis="precedSib" ptType="parTrans" st="-1" cnt="1">
+                <dgm:layoutNode name="Name111">
+                  <dgm:alg type="conn">
+                    <dgm:param type="connRout" val="bend"/>
+                    <dgm:param type="dim" val="1D"/>
+                    <dgm:param type="endSty" val="noArr"/>
+                    <dgm:param type="begPts" val="bCtr"/>
+                    <dgm:param type="endPts" val="midL midR"/>
+                  </dgm:alg>
+                  <dgm:shape xmlns:r="http://schemas.openxmlformats.org/officeDocument/2006/relationships" type="conn" r:blip="" zOrderOff="-99999">
+                    <dgm:adjLst/>
+                  </dgm:shape>
+                  <dgm:presOf axis="self"/>
+                  <dgm:constrLst>
+                    <dgm:constr type="begPad"/>
+                    <dgm:constr type="endPad"/>
+                  </dgm:constrLst>
+                  <dgm:ruleLst/>
+                </dgm:layoutNode>
+              </dgm:forEach>
+              <dgm:layoutNode name="hierRoot3">
+                <dgm:varLst>
+                  <dgm:hierBranch val="init"/>
+                </dgm:varLst>
+                <dgm:choose name="Name112">
+                  <dgm:if name="Name113" func="var" arg="hierBranch" op="equ" val="l">
+                    <dgm:alg type="hierRoot">
+                      <dgm:param type="hierAlign" val="tR"/>
+                    </dgm:alg>
+                    <dgm:shape xmlns:r="http://schemas.openxmlformats.org/officeDocument/2006/relationships" r:blip="">
+                      <dgm:adjLst/>
+                    </dgm:shape>
+                    <dgm:presOf/>
+                    <dgm:constrLst>
+                      <dgm:constr type="alignOff" val="0.65"/>
+                    </dgm:constrLst>
+                  </dgm:if>
+                  <dgm:if name="Name114" func="var" arg="hierBranch" op="equ" val="r">
+                    <dgm:alg type="hierRoot">
+                      <dgm:param type="hierAlign" val="tL"/>
+                    </dgm:alg>
+                    <dgm:shape xmlns:r="http://schemas.openxmlformats.org/officeDocument/2006/relationships" r:blip="">
+                      <dgm:adjLst/>
+                    </dgm:shape>
+                    <dgm:presOf/>
+                    <dgm:constrLst>
+                      <dgm:constr type="alignOff" val="0.65"/>
+                    </dgm:constrLst>
+                  </dgm:if>
+                  <dgm:if name="Name115" func="var" arg="hierBranch" op="equ" val="hang">
+                    <dgm:alg type="hierRoot"/>
+                    <dgm:shape xmlns:r="http://schemas.openxmlformats.org/officeDocument/2006/relationships" r:blip="">
+                      <dgm:adjLst/>
+                    </dgm:shape>
+                    <dgm:presOf/>
+                    <dgm:constrLst>
+                      <dgm:constr type="alignOff" val="0.65"/>
+                    </dgm:constrLst>
+                  </dgm:if>
+                  <dgm:if name="Name116" func="var" arg="hierBranch" op="equ" val="std">
+                    <dgm:alg type="hierRoot"/>
+                    <dgm:shape xmlns:r="http://schemas.openxmlformats.org/officeDocument/2006/relationships" r:blip="">
+                      <dgm:adjLst/>
+                    </dgm:shape>
+                    <dgm:presOf/>
+                    <dgm:constrLst>
+                      <dgm:constr type="alignOff"/>
+                      <dgm:constr type="bendDist" for="des" ptType="parTrans" refType="sp" fact="0.5"/>
+                    </dgm:constrLst>
+                  </dgm:if>
+                  <dgm:if name="Name117" func="var" arg="hierBranch" op="equ" val="init">
+                    <dgm:choose name="Name118">
+                      <dgm:if name="Name119" axis="des" func="maxDepth" op="lte" val="1">
+                        <dgm:alg type="hierRoot">
+                          <dgm:param type="hierAlign" val="tL"/>
+                        </dgm:alg>
+                        <dgm:shape xmlns:r="http://schemas.openxmlformats.org/officeDocument/2006/relationships" r:blip="">
+                          <dgm:adjLst/>
+                        </dgm:shape>
+                        <dgm:presOf/>
+                        <dgm:constrLst>
+                          <dgm:constr type="alignOff" val="0.65"/>
+                        </dgm:constrLst>
+                      </dgm:if>
+                      <dgm:else name="Name120">
+                        <dgm:alg type="hierRoot"/>
+                        <dgm:shape xmlns:r="http://schemas.openxmlformats.org/officeDocument/2006/relationships" r:blip="">
+                          <dgm:adjLst/>
+                        </dgm:shape>
+                        <dgm:presOf/>
+                        <dgm:constrLst>
+                          <dgm:constr type="alignOff"/>
+                          <dgm:constr type="bendDist" for="des" ptType="parTrans" refType="sp" fact="0.5"/>
+                        </dgm:constrLst>
+                      </dgm:else>
+                    </dgm:choose>
+                  </dgm:if>
+                  <dgm:else name="Name121"/>
+                </dgm:choose>
+                <dgm:ruleLst/>
+                <dgm:layoutNode name="rootComposite3">
+                  <dgm:alg type="composite"/>
+                  <dgm:shape xmlns:r="http://schemas.openxmlformats.org/officeDocument/2006/relationships" r:blip="">
+                    <dgm:adjLst/>
+                  </dgm:shape>
+                  <dgm:presOf axis="self" ptType="node" cnt="1"/>
+                  <dgm:choose name="Name122">
+                    <dgm:if name="Name123" func="var" arg="hierBranch" op="equ" val="init">
+                      <dgm:constrLst>
+                        <dgm:constr type="l" for="ch" forName="rootText3"/>
+                        <dgm:constr type="t" for="ch" forName="rootText3"/>
+                        <dgm:constr type="w" for="ch" forName="rootText3" refType="w"/>
+                        <dgm:constr type="h" for="ch" forName="rootText3" refType="h"/>
+                        <dgm:constr type="l" for="ch" forName="rootConnector3"/>
+                        <dgm:constr type="t" for="ch" forName="rootConnector3"/>
+                        <dgm:constr type="w" for="ch" forName="rootConnector3" refType="w" refFor="ch" refForName="rootText3" fact="0.2"/>
+                        <dgm:constr type="h" for="ch" forName="rootConnector3" refType="h" refFor="ch" refForName="rootText3"/>
+                      </dgm:constrLst>
+                    </dgm:if>
+                    <dgm:if name="Name124" func="var" arg="hierBranch" op="equ" val="l">
+                      <dgm:constrLst>
+                        <dgm:constr type="l" for="ch" forName="rootText3"/>
+                        <dgm:constr type="t" for="ch" forName="rootText3"/>
+                        <dgm:constr type="w" for="ch" forName="rootText3" refType="w"/>
+                        <dgm:constr type="h" for="ch" forName="rootText3" refType="h"/>
+                        <dgm:constr type="r" for="ch" forName="rootConnector3" refType="w"/>
+                        <dgm:constr type="t" for="ch" forName="rootConnector3"/>
+                        <dgm:constr type="w" for="ch" forName="rootConnector3" refType="w" refFor="ch" refForName="rootText3" fact="0.2"/>
+                        <dgm:constr type="h" for="ch" forName="rootConnector3" refType="h" refFor="ch" refForName="rootText3"/>
+                      </dgm:constrLst>
+                    </dgm:if>
+                    <dgm:if name="Name125" func="var" arg="hierBranch" op="equ" val="r">
+                      <dgm:constrLst>
+                        <dgm:constr type="l" for="ch" forName="rootText3"/>
+                        <dgm:constr type="t" for="ch" forName="rootText3"/>
+                        <dgm:constr type="w" for="ch" forName="rootText3" refType="w"/>
+                        <dgm:constr type="h" for="ch" forName="rootText3" refType="h"/>
+                        <dgm:constr type="l" for="ch" forName="rootConnector3"/>
+                        <dgm:constr type="t" for="ch" forName="rootConnector3"/>
+                        <dgm:constr type="w" for="ch" forName="rootConnector3" refType="w" refFor="ch" refForName="rootText3" fact="0.2"/>
+                        <dgm:constr type="h" for="ch" forName="rootConnector3" refType="h" refFor="ch" refForName="rootText3"/>
+                      </dgm:constrLst>
+                    </dgm:if>
+                    <dgm:else name="Name126">
+                      <dgm:constrLst>
+                        <dgm:constr type="l" for="ch" forName="rootText3"/>
+                        <dgm:constr type="t" for="ch" forName="rootText3"/>
+                        <dgm:constr type="w" for="ch" forName="rootText3" refType="w"/>
+                        <dgm:constr type="h" for="ch" forName="rootText3" refType="h"/>
+                        <dgm:constr type="r" for="ch" forName="rootConnector3" refType="w"/>
+                        <dgm:constr type="t" for="ch" forName="rootConnector3"/>
+                        <dgm:constr type="w" for="ch" forName="rootConnector3" refType="w" refFor="ch" refForName="rootText3" fact="0.2"/>
+                        <dgm:constr type="h" for="ch" forName="rootConnector3" refType="h" refFor="ch" refForName="rootText3"/>
+                      </dgm:constrLst>
+                    </dgm:else>
+                  </dgm:choose>
+                  <dgm:ruleLst/>
+                  <dgm:layoutNode name="rootText3">
+                    <dgm:varLst>
+                      <dgm:chPref val="3"/>
+                    </dgm:varLst>
+                    <dgm:alg type="tx"/>
+                    <dgm:shape xmlns:r="http://schemas.openxmlformats.org/officeDocument/2006/relationships" type="rect" r:blip="">
+                      <dgm:adjLst/>
+                    </dgm:shape>
+                    <dgm:presOf axis="self" ptType="node" cnt="1"/>
+                    <dgm:constrLst>
+                      <dgm:constr type="primFontSz" val="65"/>
+                      <dgm:constr type="lMarg" refType="primFontSz" fact="0.05"/>
+                      <dgm:constr type="rMarg" refType="primFontSz" fact="0.05"/>
+                      <dgm:constr type="tMarg" refType="primFontSz" fact="0.05"/>
+                      <dgm:constr type="bMarg" refType="primFontSz" fact="0.05"/>
+                    </dgm:constrLst>
+                    <dgm:ruleLst>
+                      <dgm:rule type="primFontSz" val="5" fact="NaN" max="NaN"/>
+                    </dgm:ruleLst>
+                  </dgm:layoutNode>
+                  <dgm:layoutNode name="rootConnector3" moveWith="rootText1">
+                    <dgm:alg type="sp"/>
+                    <dgm:shape xmlns:r="http://schemas.openxmlformats.org/officeDocument/2006/relationships" type="rect" r:blip="" hideGeom="1">
+                      <dgm:adjLst/>
+                    </dgm:shape>
+                    <dgm:presOf axis="self" ptType="node" cnt="1"/>
+                    <dgm:constrLst/>
+                    <dgm:ruleLst/>
+                  </dgm:layoutNode>
+                </dgm:layoutNode>
+                <dgm:layoutNode name="hierChild6">
+                  <dgm:choose name="Name127">
+                    <dgm:if name="Name128" func="var" arg="hierBranch" op="equ" val="l">
+                      <dgm:alg type="hierChild">
+                        <dgm:param type="chAlign" val="r"/>
+                        <dgm:param type="linDir" val="fromT"/>
+                      </dgm:alg>
+                    </dgm:if>
+                    <dgm:if name="Name129" func="var" arg="hierBranch" op="equ" val="r">
+                      <dgm:alg type="hierChild">
+                        <dgm:param type="chAlign" val="l"/>
+                        <dgm:param type="linDir" val="fromT"/>
+                      </dgm:alg>
+                    </dgm:if>
+                    <dgm:if name="Name130" func="var" arg="hierBranch" op="equ" val="hang">
+                      <dgm:choose name="Name131">
+                        <dgm:if name="Name132" func="var" arg="dir" op="equ" val="norm">
+                          <dgm:alg type="hierChild">
+                            <dgm:param type="chAlign" val="l"/>
+                            <dgm:param type="linDir" val="fromL"/>
+                            <dgm:param type="secChAlign" val="t"/>
+                            <dgm:param type="secLinDir" val="fromT"/>
+                          </dgm:alg>
+                        </dgm:if>
+                        <dgm:else name="Name133">
+                          <dgm:alg type="hierChild">
+                            <dgm:param type="chAlign" val="l"/>
+                            <dgm:param type="linDir" val="fromR"/>
+                            <dgm:param type="secChAlign" val="t"/>
+                            <dgm:param type="secLinDir" val="fromT"/>
+                          </dgm:alg>
+                        </dgm:else>
+                      </dgm:choose>
+                    </dgm:if>
+                    <dgm:if name="Name134" func="var" arg="hierBranch" op="equ" val="std">
+                      <dgm:choose name="Name135">
+                        <dgm:if name="Name136" func="var" arg="dir" op="equ" val="norm">
+                          <dgm:alg type="hierChild"/>
+                        </dgm:if>
+                        <dgm:else name="Name137">
+                          <dgm:alg type="hierChild">
+                            <dgm:param type="linDir" val="fromR"/>
+                          </dgm:alg>
+                        </dgm:else>
+                      </dgm:choose>
+                    </dgm:if>
+                    <dgm:if name="Name138" func="var" arg="hierBranch" op="equ" val="init">
+                      <dgm:choose name="Name139">
+                        <dgm:if name="Name140" axis="des" func="maxDepth" op="lte" val="1">
+                          <dgm:alg type="hierChild">
+                            <dgm:param type="chAlign" val="l"/>
+                            <dgm:param type="linDir" val="fromT"/>
+                          </dgm:alg>
+                        </dgm:if>
+                        <dgm:else name="Name141">
+                          <dgm:alg type="hierChild"/>
+                        </dgm:else>
+                      </dgm:choose>
+                    </dgm:if>
+                    <dgm:else name="Name142"/>
+                  </dgm:choose>
+                  <dgm:shape xmlns:r="http://schemas.openxmlformats.org/officeDocument/2006/relationships" r:blip="">
+                    <dgm:adjLst/>
+                  </dgm:shape>
+                  <dgm:presOf/>
+                  <dgm:constrLst/>
+                  <dgm:ruleLst/>
+                  <dgm:forEach name="Name143" ref="rep2a"/>
+                </dgm:layoutNode>
+                <dgm:layoutNode name="hierChild7">
+                  <dgm:choose name="Name144">
+                    <dgm:if name="Name145" func="var" arg="dir" op="equ" val="norm">
+                      <dgm:alg type="hierChild">
+                        <dgm:param type="chAlign" val="l"/>
+                        <dgm:param type="linDir" val="fromL"/>
+                        <dgm:param type="secChAlign" val="t"/>
+                        <dgm:param type="secLinDir" val="fromT"/>
+                      </dgm:alg>
+                    </dgm:if>
+                    <dgm:else name="Name146">
+                      <dgm:alg type="hierChild">
+                        <dgm:param type="chAlign" val="l"/>
+                        <dgm:param type="linDir" val="fromR"/>
+                        <dgm:param type="secChAlign" val="t"/>
+                        <dgm:param type="secLinDir" val="fromT"/>
+                      </dgm:alg>
+                    </dgm:else>
+                  </dgm:choose>
+                  <dgm:shape xmlns:r="http://schemas.openxmlformats.org/officeDocument/2006/relationships" r:blip="">
+                    <dgm:adjLst/>
+                  </dgm:shape>
+                  <dgm:presOf/>
+                  <dgm:constrLst/>
+                  <dgm:ruleLst/>
+                  <dgm:forEach name="Name147" ref="rep2b"/>
+                </dgm:layoutNode>
+              </dgm:layoutNode>
+            </dgm:forEach>
+          </dgm:layoutNode>
+        </dgm:layoutNode>
+      </dgm:forEach>
+    </dgm:forEach>
+  </dgm:layoutNode>
+</dgm:layoutDef>
+</file>
+
+<file path=ppt/diagrams/quickStyle1.xml><?xml version="1.0" encoding="utf-8"?>
+<dgm:styleDef xmlns:dgm="http://schemas.openxmlformats.org/drawingml/2006/diagram" xmlns:a="http://schemas.openxmlformats.org/drawingml/2006/main" uniqueId="urn:microsoft.com/office/officeart/2005/8/quickstyle/simple1">
+  <dgm:title val=""/>
+  <dgm:desc val=""/>
+  <dgm:catLst>
+    <dgm:cat type="simple" pri="10100"/>
+  </dgm:catLst>
+  <dgm:scene3d>
+    <a:camera prst="orthographicFront"/>
+    <a:lightRig rig="threePt" dir="t"/>
+  </dgm:scene3d>
+  <dgm:styleLbl name="node0">
+    <dgm:scene3d>
+      <a:camera prst="orthographicFront"/>
+      <a:lightRig rig="threePt" dir="t"/>
+    </dgm:scene3d>
+    <dgm:sp3d/>
+    <dgm:txPr/>
+    <dgm:style>
+      <a:lnRef idx="2">
+        <a:scrgbClr r="0" g="0" b="0"/>
+      </a:lnRef>
+      <a:fillRef idx="1">
+        <a:scrgbClr r="0" g="0" b="0"/>
+      </a:fillRef>
+      <a:effectRef idx="0">
+        <a:scrgbClr r="0" g="0" b="0"/>
+      </a:effectRef>
+      <a:fontRef idx="minor">
+        <a:schemeClr val="lt1"/>
+      </a:fontRef>
+    </dgm:style>
+  </dgm:styleLbl>
+  <dgm:styleLbl name="lnNode1">
+    <dgm:scene3d>
+      <a:camera prst="orthographicFront"/>
+      <a:lightRig rig="threePt" dir="t"/>
+    </dgm:scene3d>
+    <dgm:sp3d/>
+    <dgm:txPr/>
+    <dgm:style>
+      <a:lnRef idx="2">
+        <a:scrgbClr r="0" g="0" b="0"/>
+      </a:lnRef>
+      <a:fillRef idx="1">
+        <a:scrgbClr r="0" g="0" b="0"/>
+      </a:fillRef>
+      <a:effectRef idx="0">
+        <a:scrgbClr r="0" g="0" b="0"/>
+      </a:effectRef>
+      <a:fontRef idx="minor">
+        <a:schemeClr val="lt1"/>
+      </a:fontRef>
+    </dgm:style>
+  </dgm:styleLbl>
+  <dgm:styleLbl name="vennNode1">
+    <dgm:scene3d>
+      <a:camera prst="orthographicFront"/>
+      <a:lightRig rig="threePt" dir="t"/>
+    </dgm:scene3d>
+    <dgm:sp3d/>
+    <dgm:txPr/>
+    <dgm:style>
+      <a:lnRef idx="2">
+        <a:scrgbClr r="0" g="0" b="0"/>
+      </a:lnRef>
+      <a:fillRef idx="1">
+        <a:scrgbClr r="0" g="0" b="0"/>
+      </a:fillRef>
+      <a:effectRef idx="0">
+        <a:scrgbClr r="0" g="0" b="0"/>
+      </a:effectRef>
+      <a:fontRef idx="minor">
+        <a:schemeClr val="tx1"/>
+      </a:fontRef>
+    </dgm:style>
+  </dgm:styleLbl>
+  <dgm:styleLbl name="alignNode1">
+    <dgm:scene3d>
+      <a:camera prst="orthographicFront"/>
+      <a:lightRig rig="threePt" dir="t"/>
+    </dgm:scene3d>
+    <dgm:sp3d/>
+    <dgm:txPr/>
+    <dgm:style>
+      <a:lnRef idx="2">
+        <a:scrgbClr r="0" g="0" b="0"/>
+      </a:lnRef>
+      <a:fillRef idx="1">
+        <a:scrgbClr r="0" g="0" b="0"/>
+      </a:fillRef>
+      <a:effectRef idx="0">
+        <a:scrgbClr r="0" g="0" b="0"/>
+      </a:effectRef>
+      <a:fontRef idx="minor">
+        <a:schemeClr val="lt1"/>
+      </a:fontRef>
+    </dgm:style>
+  </dgm:styleLbl>
+  <dgm:styleLbl name="node1">
+    <dgm:scene3d>
+      <a:camera prst="orthographicFront"/>
+      <a:lightRig rig="threePt" dir="t"/>
+    </dgm:scene3d>
+    <dgm:sp3d/>
+    <dgm:txPr/>
+    <dgm:style>
+      <a:lnRef idx="2">
+        <a:scrgbClr r="0" g="0" b="0"/>
+      </a:lnRef>
+      <a:fillRef idx="1">
+        <a:scrgbClr r="0" g="0" b="0"/>
+      </a:fillRef>
+      <a:effectRef idx="0">
+        <a:scrgbClr r="0" g="0" b="0"/>
+      </a:effectRef>
+      <a:fontRef idx="minor">
+        <a:schemeClr val="lt1"/>
+      </a:fontRef>
+    </dgm:style>
+  </dgm:styleLbl>
+  <dgm:styleLbl name="node2">
+    <dgm:scene3d>
+      <a:camera prst="orthographicFront"/>
+      <a:lightRig rig="threePt" dir="t"/>
+    </dgm:scene3d>
+    <dgm:sp3d/>
+    <dgm:txPr/>
+    <dgm:style>
+      <a:lnRef idx="2">
+        <a:scrgbClr r="0" g="0" b="0"/>
+      </a:lnRef>
+      <a:fillRef idx="1">
+        <a:scrgbClr r="0" g="0" b="0"/>
+      </a:fillRef>
+      <a:effectRef idx="0">
+        <a:scrgbClr r="0" g="0" b="0"/>
+      </a:effectRef>
+      <a:fontRef idx="minor">
+        <a:schemeClr val="lt1"/>
+      </a:fontRef>
+    </dgm:style>
+  </dgm:styleLbl>
+  <dgm:styleLbl name="node3">
+    <dgm:scene3d>
+      <a:camera prst="orthographicFront"/>
+      <a:lightRig rig="threePt" dir="t"/>
+    </dgm:scene3d>
+    <dgm:sp3d/>
+    <dgm:txPr/>
+    <dgm:style>
+      <a:lnRef idx="2">
+        <a:scrgbClr r="0" g="0" b="0"/>
+      </a:lnRef>
+      <a:fillRef idx="1">
+        <a:scrgbClr r="0" g="0" b="0"/>
+      </a:fillRef>
+      <a:effectRef idx="0">
+        <a:scrgbClr r="0" g="0" b="0"/>
+      </a:effectRef>
+      <a:fontRef idx="minor">
+        <a:schemeClr val="lt1"/>
+      </a:fontRef>
+    </dgm:style>
+  </dgm:styleLbl>
+  <dgm:styleLbl name="node4">
+    <dgm:scene3d>
+      <a:camera prst="orthographicFront"/>
+      <a:lightRig rig="threePt" dir="t"/>
+    </dgm:scene3d>
+    <dgm:sp3d/>
+    <dgm:txPr/>
+    <dgm:style>
+      <a:lnRef idx="2">
+        <a:scrgbClr r="0" g="0" b="0"/>
+      </a:lnRef>
+      <a:fillRef idx="1">
+        <a:scrgbClr r="0" g="0" b="0"/>
+      </a:fillRef>
+      <a:effectRef idx="0">
+        <a:scrgbClr r="0" g="0" b="0"/>
+      </a:effectRef>
+      <a:fontRef idx="minor">
+        <a:schemeClr val="lt1"/>
+      </a:fontRef>
+    </dgm:style>
+  </dgm:styleLbl>
+  <dgm:styleLbl name="fgImgPlace1">
+    <dgm:scene3d>
+      <a:camera prst="orthographicFront"/>
+      <a:lightRig rig="threePt" dir="t"/>
+    </dgm:scene3d>
+    <dgm:sp3d/>
+    <dgm:txPr/>
+    <dgm:style>
+      <a:lnRef idx="2">
+        <a:scrgbClr r="0" g="0" b="0"/>
+      </a:lnRef>
+      <a:fillRef idx="1">
+        <a:scrgbClr r="0" g="0" b="0"/>
+      </a:fillRef>
+      <a:effectRef idx="0">
+        <a:scrgbClr r="0" g="0" b="0"/>
+      </a:effectRef>
+      <a:fontRef idx="minor"/>
+    </dgm:style>
+  </dgm:styleLbl>
+  <dgm:styleLbl name="alignImgPlace1">
+    <dgm:scene3d>
+      <a:camera prst="orthographicFront"/>
+      <a:lightRig rig="threePt" dir="t"/>
+    </dgm:scene3d>
+    <dgm:sp3d/>
+    <dgm:txPr/>
+    <dgm:style>
+      <a:lnRef idx="2">
+        <a:scrgbClr r="0" g="0" b="0"/>
+      </a:lnRef>
+      <a:fillRef idx="1">
+        <a:scrgbClr r="0" g="0" b="0"/>
+      </a:fillRef>
+      <a:effectRef idx="0">
+        <a:scrgbClr r="0" g="0" b="0"/>
+      </a:effectRef>
+      <a:fontRef idx="minor"/>
+    </dgm:style>
+  </dgm:styleLbl>
+  <dgm:styleLbl name="bgImgPlace1">
+    <dgm:scene3d>
+      <a:camera prst="orthographicFront"/>
+      <a:lightRig rig="threePt" dir="t"/>
+    </dgm:scene3d>
+    <dgm:sp3d/>
+    <dgm:txPr/>
+    <dgm:style>
+      <a:lnRef idx="2">
+        <a:scrgbClr r="0" g="0" b="0"/>
+      </a:lnRef>
+      <a:fillRef idx="1">
+        <a:scrgbClr r="0" g="0" b="0"/>
+      </a:fillRef>
+      <a:effectRef idx="0">
+        <a:scrgbClr r="0" g="0" b="0"/>
+      </a:effectRef>
+      <a:fontRef idx="minor"/>
+    </dgm:style>
+  </dgm:styleLbl>
+  <dgm:styleLbl name="sibTrans2D1">
+    <dgm:scene3d>
+      <a:camera prst="orthographicFront"/>
+      <a:lightRig rig="threePt" dir="t"/>
+    </dgm:scene3d>
+    <dgm:sp3d/>
+    <dgm:txPr/>
+    <dgm:style>
+      <a:lnRef idx="0">
+        <a:scrgbClr r="0" g="0" b="0"/>
+      </a:lnRef>
+      <a:fillRef idx="1">
+        <a:scrgbClr r="0" g="0" b="0"/>
+      </a:fillRef>
+      <a:effectRef idx="0">
+        <a:scrgbClr r="0" g="0" b="0"/>
+      </a:effectRef>
+      <a:fontRef idx="minor">
+        <a:schemeClr val="lt1"/>
+      </a:fontRef>
+    </dgm:style>
+  </dgm:styleLbl>
+  <dgm:styleLbl name="fgSibTrans2D1">
+    <dgm:scene3d>
+      <a:camera prst="orthographicFront"/>
+      <a:lightRig rig="threePt" dir="t"/>
+    </dgm:scene3d>
+    <dgm:sp3d/>
+    <dgm:txPr/>
+    <dgm:style>
+      <a:lnRef idx="0">
+        <a:scrgbClr r="0" g="0" b="0"/>
+      </a:lnRef>
+      <a:fillRef idx="1">
+        <a:scrgbClr r="0" g="0" b="0"/>
+      </a:fillRef>
+      <a:effectRef idx="0">
+        <a:scrgbClr r="0" g="0" b="0"/>
+      </a:effectRef>
+      <a:fontRef idx="minor">
+        <a:schemeClr val="lt1"/>
+      </a:fontRef>
+    </dgm:style>
+  </dgm:styleLbl>
+  <dgm:styleLbl name="bgSibTrans2D1">
+    <dgm:scene3d>
+      <a:camera prst="orthographicFront"/>
+      <a:lightRig rig="threePt" dir="t"/>
+    </dgm:scene3d>
+    <dgm:sp3d/>
+    <dgm:txPr/>
+    <dgm:style>
+      <a:lnRef idx="0">
+        <a:scrgbClr r="0" g="0" b="0"/>
+      </a:lnRef>
+      <a:fillRef idx="1">
+        <a:scrgbClr r="0" g="0" b="0"/>
+      </a:fillRef>
+      <a:effectRef idx="0">
+        <a:scrgbClr r="0" g="0" b="0"/>
+      </a:effectRef>
+      <a:fontRef idx="minor">
+        <a:schemeClr val="lt1"/>
+      </a:fontRef>
+    </dgm:style>
+  </dgm:styleLbl>
+  <dgm:styleLbl name="sibTrans1D1">
+    <dgm:scene3d>
+      <a:camera prst="orthographicFront"/>
+      <a:lightRig rig="threePt" dir="t"/>
+    </dgm:scene3d>
+    <dgm:sp3d/>
+    <dgm:txPr/>
+    <dgm:style>
+      <a:lnRef idx="1">
+        <a:scrgbClr r="0" g="0" b="0"/>
+      </a:lnRef>
+      <a:fillRef idx="0">
+        <a:scrgbClr r="0" g="0" b="0"/>
+      </a:fillRef>
+      <a:effectRef idx="0">
+        <a:scrgbClr r="0" g="0" b="0"/>
+      </a:effectRef>
+      <a:fontRef idx="minor"/>
+    </dgm:style>
+  </dgm:styleLbl>
+  <dgm:styleLbl name="callout">
+    <dgm:scene3d>
+      <a:camera prst="orthographicFront"/>
+      <a:lightRig rig="threePt" dir="t"/>
+    </dgm:scene3d>
+    <dgm:sp3d/>
+    <dgm:txPr/>
+    <dgm:style>
+      <a:lnRef idx="2">
+        <a:scrgbClr r="0" g="0" b="0"/>
+      </a:lnRef>
+      <a:fillRef idx="1">
+        <a:scrgbClr r="0" g="0" b="0"/>
+      </a:fillRef>
+      <a:effectRef idx="0">
+        <a:scrgbClr r="0" g="0" b="0"/>
+      </a:effectRef>
+      <a:fontRef idx="minor"/>
+    </dgm:style>
+  </dgm:styleLbl>
+  <dgm:styleLbl name="asst0">
+    <dgm:scene3d>
+      <a:camera prst="orthographicFront"/>
+      <a:lightRig rig="threePt" dir="t"/>
+    </dgm:scene3d>
+    <dgm:sp3d/>
+    <dgm:txPr/>
+    <dgm:style>
+      <a:lnRef idx="2">
+        <a:scrgbClr r="0" g="0" b="0"/>
+      </a:lnRef>
+      <a:fillRef idx="1">
+        <a:scrgbClr r="0" g="0" b="0"/>
+      </a:fillRef>
+      <a:effectRef idx="0">
+        <a:scrgbClr r="0" g="0" b="0"/>
+      </a:effectRef>
+      <a:fontRef idx="minor">
+        <a:schemeClr val="lt1"/>
+      </a:fontRef>
+    </dgm:style>
+  </dgm:styleLbl>
+  <dgm:styleLbl name="asst1">
+    <dgm:scene3d>
+      <a:camera prst="orthographicFront"/>
+      <a:lightRig rig="threePt" dir="t"/>
+    </dgm:scene3d>
+    <dgm:sp3d/>
+    <dgm:txPr/>
+    <dgm:style>
+      <a:lnRef idx="2">
+        <a:scrgbClr r="0" g="0" b="0"/>
+      </a:lnRef>
+      <a:fillRef idx="1">
+        <a:scrgbClr r="0" g="0" b="0"/>
+      </a:fillRef>
+      <a:effectRef idx="0">
+        <a:scrgbClr r="0" g="0" b="0"/>
+      </a:effectRef>
+      <a:fontRef idx="minor">
+        <a:schemeClr val="lt1"/>
+      </a:fontRef>
+    </dgm:style>
+  </dgm:styleLbl>
+  <dgm:styleLbl name="asst2">
+    <dgm:scene3d>
+      <a:camera prst="orthographicFront"/>
+      <a:lightRig rig="threePt" dir="t"/>
+    </dgm:scene3d>
+    <dgm:sp3d/>
+    <dgm:txPr/>
+    <dgm:style>
+      <a:lnRef idx="2">
+        <a:scrgbClr r="0" g="0" b="0"/>
+      </a:lnRef>
+      <a:fillRef idx="1">
+        <a:scrgbClr r="0" g="0" b="0"/>
+      </a:fillRef>
+      <a:effectRef idx="0">
+        <a:scrgbClr r="0" g="0" b="0"/>
+      </a:effectRef>
+      <a:fontRef idx="minor">
+        <a:schemeClr val="lt1"/>
+      </a:fontRef>
+    </dgm:style>
+  </dgm:styleLbl>
+  <dgm:styleLbl name="asst3">
+    <dgm:scene3d>
+      <a:camera prst="orthographicFront"/>
+      <a:lightRig rig="threePt" dir="t"/>
+    </dgm:scene3d>
+    <dgm:sp3d/>
+    <dgm:txPr/>
+    <dgm:style>
+      <a:lnRef idx="2">
+        <a:scrgbClr r="0" g="0" b="0"/>
+      </a:lnRef>
+      <a:fillRef idx="1">
+        <a:scrgbClr r="0" g="0" b="0"/>
+      </a:fillRef>
+      <a:effectRef idx="0">
+        <a:scrgbClr r="0" g="0" b="0"/>
+      </a:effectRef>
+      <a:fontRef idx="minor">
+        <a:schemeClr val="lt1"/>
+      </a:fontRef>
+    </dgm:style>
+  </dgm:styleLbl>
+  <dgm:styleLbl name="asst4">
+    <dgm:scene3d>
+      <a:camera prst="orthographicFront"/>
+      <a:lightRig rig="threePt" dir="t"/>
+    </dgm:scene3d>
+    <dgm:sp3d/>
+    <dgm:txPr/>
+    <dgm:style>
+      <a:lnRef idx="2">
+        <a:scrgbClr r="0" g="0" b="0"/>
+      </a:lnRef>
+      <a:fillRef idx="1">
+        <a:scrgbClr r="0" g="0" b="0"/>
+      </a:fillRef>
+      <a:effectRef idx="0">
+        <a:scrgbClr r="0" g="0" b="0"/>
+      </a:effectRef>
+      <a:fontRef idx="minor">
+        <a:schemeClr val="lt1"/>
+      </a:fontRef>
+    </dgm:style>
+  </dgm:styleLbl>
+  <dgm:styleLbl name="parChTrans2D1">
+    <dgm:scene3d>
+      <a:camera prst="orthographicFront"/>
+      <a:lightRig rig="threePt" dir="t"/>
+    </dgm:scene3d>
+    <dgm:sp3d/>
+    <dgm:txPr/>
+    <dgm:style>
+      <a:lnRef idx="2">
+        <a:scrgbClr r="0" g="0" b="0"/>
+      </a:lnRef>
+      <a:fillRef idx="1">
+        <a:scrgbClr r="0" g="0" b="0"/>
+      </a:fillRef>
+      <a:effectRef idx="0">
+        <a:scrgbClr r="0" g="0" b="0"/>
+      </a:effectRef>
+      <a:fontRef idx="minor">
+        <a:schemeClr val="lt1"/>
+      </a:fontRef>
+    </dgm:style>
+  </dgm:styleLbl>
+  <dgm:styleLbl name="parChTrans2D2">
+    <dgm:scene3d>
+      <a:camera prst="orthographicFront"/>
+      <a:lightRig rig="threePt" dir="t"/>
+    </dgm:scene3d>
+    <dgm:sp3d/>
+    <dgm:txPr/>
+    <dgm:style>
+      <a:lnRef idx="2">
+        <a:scrgbClr r="0" g="0" b="0"/>
+      </a:lnRef>
+      <a:fillRef idx="1">
+        <a:scrgbClr r="0" g="0" b="0"/>
+      </a:fillRef>
+      <a:effectRef idx="0">
+        <a:scrgbClr r="0" g="0" b="0"/>
+      </a:effectRef>
+      <a:fontRef idx="minor">
+        <a:schemeClr val="lt1"/>
+      </a:fontRef>
+    </dgm:style>
+  </dgm:styleLbl>
+  <dgm:styleLbl name="parChTrans2D3">
+    <dgm:scene3d>
+      <a:camera prst="orthographicFront"/>
+      <a:lightRig rig="threePt" dir="t"/>
+    </dgm:scene3d>
+    <dgm:sp3d/>
+    <dgm:txPr/>
+    <dgm:style>
+      <a:lnRef idx="2">
+        <a:scrgbClr r="0" g="0" b="0"/>
+      </a:lnRef>
+      <a:fillRef idx="1">
+        <a:scrgbClr r="0" g="0" b="0"/>
+      </a:fillRef>
+      <a:effectRef idx="0">
+        <a:scrgbClr r="0" g="0" b="0"/>
+      </a:effectRef>
+      <a:fontRef idx="minor">
+        <a:schemeClr val="lt1"/>
+      </a:fontRef>
+    </dgm:style>
+  </dgm:styleLbl>
+  <dgm:styleLbl name="parChTrans2D4">
+    <dgm:scene3d>
+      <a:camera prst="orthographicFront"/>
+      <a:lightRig rig="threePt" dir="t"/>
+    </dgm:scene3d>
+    <dgm:sp3d/>
+    <dgm:txPr/>
+    <dgm:style>
+      <a:lnRef idx="2">
+        <a:scrgbClr r="0" g="0" b="0"/>
+      </a:lnRef>
+      <a:fillRef idx="1">
+        <a:scrgbClr r="0" g="0" b="0"/>
+      </a:fillRef>
+      <a:effectRef idx="0">
+        <a:scrgbClr r="0" g="0" b="0"/>
+      </a:effectRef>
+      <a:fontRef idx="minor">
+        <a:schemeClr val="lt1"/>
+      </a:fontRef>
+    </dgm:style>
+  </dgm:styleLbl>
+  <dgm:styleLbl name="parChTrans1D1">
+    <dgm:scene3d>
+      <a:camera prst="orthographicFront"/>
+      <a:lightRig rig="threePt" dir="t"/>
+    </dgm:scene3d>
+    <dgm:sp3d/>
+    <dgm:txPr/>
+    <dgm:style>
+      <a:lnRef idx="2">
+        <a:scrgbClr r="0" g="0" b="0"/>
+      </a:lnRef>
+      <a:fillRef idx="0">
+        <a:scrgbClr r="0" g="0" b="0"/>
+      </a:fillRef>
+      <a:effectRef idx="0">
+        <a:scrgbClr r="0" g="0" b="0"/>
+      </a:effectRef>
+      <a:fontRef idx="minor"/>
+    </dgm:style>
+  </dgm:styleLbl>
+  <dgm:styleLbl name="parChTrans1D2">
+    <dgm:scene3d>
+      <a:camera prst="orthographicFront"/>
+      <a:lightRig rig="threePt" dir="t"/>
+    </dgm:scene3d>
+    <dgm:sp3d/>
+    <dgm:txPr/>
+    <dgm:style>
+      <a:lnRef idx="2">
+        <a:scrgbClr r="0" g="0" b="0"/>
+      </a:lnRef>
+      <a:fillRef idx="0">
+        <a:scrgbClr r="0" g="0" b="0"/>
+      </a:fillRef>
+      <a:effectRef idx="0">
+        <a:scrgbClr r="0" g="0" b="0"/>
+      </a:effectRef>
+      <a:fontRef idx="minor"/>
+    </dgm:style>
+  </dgm:styleLbl>
+  <dgm:styleLbl name="parChTrans1D3">
+    <dgm:scene3d>
+      <a:camera prst="orthographicFront"/>
+      <a:lightRig rig="threePt" dir="t"/>
+    </dgm:scene3d>
+    <dgm:sp3d/>
+    <dgm:txPr/>
+    <dgm:style>
+      <a:lnRef idx="2">
+        <a:scrgbClr r="0" g="0" b="0"/>
+      </a:lnRef>
+      <a:fillRef idx="0">
+        <a:scrgbClr r="0" g="0" b="0"/>
+      </a:fillRef>
+      <a:effectRef idx="0">
+        <a:scrgbClr r="0" g="0" b="0"/>
+      </a:effectRef>
+      <a:fontRef idx="minor"/>
+    </dgm:style>
+  </dgm:styleLbl>
+  <dgm:styleLbl name="parChTrans1D4">
+    <dgm:scene3d>
+      <a:camera prst="orthographicFront"/>
+      <a:lightRig rig="threePt" dir="t"/>
+    </dgm:scene3d>
+    <dgm:sp3d/>
+    <dgm:txPr/>
+    <dgm:style>
+      <a:lnRef idx="2">
+        <a:scrgbClr r="0" g="0" b="0"/>
+      </a:lnRef>
+      <a:fillRef idx="0">
+        <a:scrgbClr r="0" g="0" b="0"/>
+      </a:fillRef>
+      <a:effectRef idx="0">
+        <a:scrgbClr r="0" g="0" b="0"/>
+      </a:effectRef>
+      <a:fontRef idx="minor"/>
+    </dgm:style>
+  </dgm:styleLbl>
+  <dgm:styleLbl name="fgAcc1">
+    <dgm:scene3d>
+      <a:camera prst="orthographicFront"/>
+      <a:lightRig rig="threePt" dir="t"/>
+    </dgm:scene3d>
+    <dgm:sp3d/>
+    <dgm:txPr/>
+    <dgm:style>
+      <a:lnRef idx="2">
+        <a:scrgbClr r="0" g="0" b="0"/>
+      </a:lnRef>
+      <a:fillRef idx="1">
+        <a:scrgbClr r="0" g="0" b="0"/>
+      </a:fillRef>
+      <a:effectRef idx="0">
+        <a:scrgbClr r="0" g="0" b="0"/>
+      </a:effectRef>
+      <a:fontRef idx="minor"/>
+    </dgm:style>
+  </dgm:styleLbl>
+  <dgm:styleLbl name="conFgAcc1">
+    <dgm:scene3d>
+      <a:camera prst="orthographicFront"/>
+      <a:lightRig rig="threePt" dir="t"/>
+    </dgm:scene3d>
+    <dgm:sp3d/>
+    <dgm:txPr/>
+    <dgm:style>
+      <a:lnRef idx="2">
+        <a:scrgbClr r="0" g="0" b="0"/>
+      </a:lnRef>
+      <a:fillRef idx="1">
+        <a:scrgbClr r="0" g="0" b="0"/>
+      </a:fillRef>
+      <a:effectRef idx="0">
+        <a:scrgbClr r="0" g="0" b="0"/>
+      </a:effectRef>
+      <a:fontRef idx="minor"/>
+    </dgm:style>
+  </dgm:styleLbl>
+  <dgm:styleLbl name="alignAcc1">
+    <dgm:scene3d>
+      <a:camera prst="orthographicFront"/>
+      <a:lightRig rig="threePt" dir="t"/>
+    </dgm:scene3d>
+    <dgm:sp3d/>
+    <dgm:txPr/>
+    <dgm:style>
+      <a:lnRef idx="2">
+        <a:scrgbClr r="0" g="0" b="0"/>
+      </a:lnRef>
+      <a:fillRef idx="1">
+        <a:scrgbClr r="0" g="0" b="0"/>
+      </a:fillRef>
+      <a:effectRef idx="0">
+        <a:scrgbClr r="0" g="0" b="0"/>
+      </a:effectRef>
+      <a:fontRef idx="minor"/>
+    </dgm:style>
+  </dgm:styleLbl>
+  <dgm:styleLbl name="trAlignAcc1">
+    <dgm:scene3d>
+      <a:camera prst="orthographicFront"/>
+      <a:lightRig rig="threePt" dir="t"/>
+    </dgm:scene3d>
+    <dgm:sp3d/>
+    <dgm:txPr/>
+    <dgm:style>
+      <a:lnRef idx="1">
+        <a:scrgbClr r="0" g="0" b="0"/>
+      </a:lnRef>
+      <a:fillRef idx="1">
+        <a:scrgbClr r="0" g="0" b="0"/>
+      </a:fillRef>
+      <a:effectRef idx="0">
+        <a:scrgbClr r="0" g="0" b="0"/>
+      </a:effectRef>
+      <a:fontRef idx="minor"/>
+    </dgm:style>
+  </dgm:styleLbl>
+  <dgm:styleLbl name="bgAcc1">
+    <dgm:scene3d>
+      <a:camera prst="orthographicFront"/>
+      <a:lightRig rig="threePt" dir="t"/>
+    </dgm:scene3d>
+    <dgm:sp3d/>
+    <dgm:txPr/>
+    <dgm:style>
+      <a:lnRef idx="2">
+        <a:scrgbClr r="0" g="0" b="0"/>
+      </a:lnRef>
+      <a:fillRef idx="1">
+        <a:scrgbClr r="0" g="0" b="0"/>
+      </a:fillRef>
+      <a:effectRef idx="0">
+        <a:scrgbClr r="0" g="0" b="0"/>
+      </a:effectRef>
+      <a:fontRef idx="minor"/>
+    </dgm:style>
+  </dgm:styleLbl>
+  <dgm:styleLbl name="solidFgAcc1">
+    <dgm:scene3d>
+      <a:camera prst="orthographicFront"/>
+      <a:lightRig rig="threePt" dir="t"/>
+    </dgm:scene3d>
+    <dgm:sp3d/>
+    <dgm:txPr/>
+    <dgm:style>
+      <a:lnRef idx="2">
+        <a:scrgbClr r="0" g="0" b="0"/>
+      </a:lnRef>
+      <a:fillRef idx="1">
+        <a:scrgbClr r="0" g="0" b="0"/>
+      </a:fillRef>
+      <a:effectRef idx="0">
+        <a:scrgbClr r="0" g="0" b="0"/>
+      </a:effectRef>
+      <a:fontRef idx="minor"/>
+    </dgm:style>
+  </dgm:styleLbl>
+  <dgm:styleLbl name="solidAlignAcc1">
+    <dgm:scene3d>
+      <a:camera prst="orthographicFront"/>
+      <a:lightRig rig="threePt" dir="t"/>
+    </dgm:scene3d>
+    <dgm:sp3d/>
+    <dgm:txPr/>
+    <dgm:style>
+      <a:lnRef idx="2">
+        <a:scrgbClr r="0" g="0" b="0"/>
+      </a:lnRef>
+      <a:fillRef idx="1">
+        <a:scrgbClr r="0" g="0" b="0"/>
+      </a:fillRef>
+      <a:effectRef idx="0">
+        <a:scrgbClr r="0" g="0" b="0"/>
+      </a:effectRef>
+      <a:fontRef idx="minor"/>
+    </dgm:style>
+  </dgm:styleLbl>
+  <dgm:styleLbl name="solidBgAcc1">
+    <dgm:scene3d>
+      <a:camera prst="orthographicFront"/>
+      <a:lightRig rig="threePt" dir="t"/>
+    </dgm:scene3d>
+    <dgm:sp3d/>
+    <dgm:txPr/>
+    <dgm:style>
+      <a:lnRef idx="2">
+        <a:scrgbClr r="0" g="0" b="0"/>
+      </a:lnRef>
+      <a:fillRef idx="1">
+        <a:scrgbClr r="0" g="0" b="0"/>
+      </a:fillRef>
+      <a:effectRef idx="0">
+        <a:scrgbClr r="0" g="0" b="0"/>
+      </a:effectRef>
+      <a:fontRef idx="minor"/>
+    </dgm:style>
+  </dgm:styleLbl>
+  <dgm:styleLbl name="fgAccFollowNode1">
+    <dgm:scene3d>
+      <a:camera prst="orthographicFront"/>
+      <a:lightRig rig="threePt" dir="t"/>
+    </dgm:scene3d>
+    <dgm:sp3d/>
+    <dgm:txPr/>
+    <dgm:style>
+      <a:lnRef idx="2">
+        <a:scrgbClr r="0" g="0" b="0"/>
+      </a:lnRef>
+      <a:fillRef idx="1">
+        <a:scrgbClr r="0" g="0" b="0"/>
+      </a:fillRef>
+      <a:effectRef idx="0">
+        <a:scrgbClr r="0" g="0" b="0"/>
+      </a:effectRef>
+      <a:fontRef idx="minor"/>
+    </dgm:style>
+  </dgm:styleLbl>
+  <dgm:styleLbl name="alignAccFollowNode1">
+    <dgm:scene3d>
+      <a:camera prst="orthographicFront"/>
+      <a:lightRig rig="threePt" dir="t"/>
+    </dgm:scene3d>
+    <dgm:sp3d/>
+    <dgm:txPr/>
+    <dgm:style>
+      <a:lnRef idx="2">
+        <a:scrgbClr r="0" g="0" b="0"/>
+      </a:lnRef>
+      <a:fillRef idx="1">
+        <a:scrgbClr r="0" g="0" b="0"/>
+      </a:fillRef>
+      <a:effectRef idx="0">
+        <a:scrgbClr r="0" g="0" b="0"/>
+      </a:effectRef>
+      <a:fontRef idx="minor"/>
+    </dgm:style>
+  </dgm:styleLbl>
+  <dgm:styleLbl name="bgAccFollowNode1">
+    <dgm:scene3d>
+      <a:camera prst="orthographicFront"/>
+      <a:lightRig rig="threePt" dir="t"/>
+    </dgm:scene3d>
+    <dgm:sp3d/>
+    <dgm:txPr/>
+    <dgm:style>
+      <a:lnRef idx="2">
+        <a:scrgbClr r="0" g="0" b="0"/>
+      </a:lnRef>
+      <a:fillRef idx="1">
+        <a:scrgbClr r="0" g="0" b="0"/>
+      </a:fillRef>
+      <a:effectRef idx="0">
+        <a:scrgbClr r="0" g="0" b="0"/>
+      </a:effectRef>
+      <a:fontRef idx="minor"/>
+    </dgm:style>
+  </dgm:styleLbl>
+  <dgm:styleLbl name="fgAcc0">
+    <dgm:scene3d>
+      <a:camera prst="orthographicFront"/>
+      <a:lightRig rig="threePt" dir="t"/>
+    </dgm:scene3d>
+    <dgm:sp3d/>
+    <dgm:txPr/>
+    <dgm:style>
+      <a:lnRef idx="2">
+        <a:scrgbClr r="0" g="0" b="0"/>
+      </a:lnRef>
+      <a:fillRef idx="1">
+        <a:scrgbClr r="0" g="0" b="0"/>
+      </a:fillRef>
+      <a:effectRef idx="0">
+        <a:scrgbClr r="0" g="0" b="0"/>
+      </a:effectRef>
+      <a:fontRef idx="minor"/>
+    </dgm:style>
+  </dgm:styleLbl>
+  <dgm:styleLbl name="fgAcc2">
+    <dgm:scene3d>
+      <a:camera prst="orthographicFront"/>
+      <a:lightRig rig="threePt" dir="t"/>
+    </dgm:scene3d>
+    <dgm:sp3d/>
+    <dgm:txPr/>
+    <dgm:style>
+      <a:lnRef idx="2">
+        <a:scrgbClr r="0" g="0" b="0"/>
+      </a:lnRef>
+      <a:fillRef idx="1">
+        <a:scrgbClr r="0" g="0" b="0"/>
+      </a:fillRef>
+      <a:effectRef idx="0">
+        <a:scrgbClr r="0" g="0" b="0"/>
+      </a:effectRef>
+      <a:fontRef idx="minor"/>
+    </dgm:style>
+  </dgm:styleLbl>
+  <dgm:styleLbl name="fgAcc3">
+    <dgm:scene3d>
+      <a:camera prst="orthographicFront"/>
+      <a:lightRig rig="threePt" dir="t"/>
+    </dgm:scene3d>
+    <dgm:sp3d/>
+    <dgm:txPr/>
+    <dgm:style>
+      <a:lnRef idx="2">
+        <a:scrgbClr r="0" g="0" b="0"/>
+      </a:lnRef>
+      <a:fillRef idx="1">
+        <a:scrgbClr r="0" g="0" b="0"/>
+      </a:fillRef>
+      <a:effectRef idx="0">
+        <a:scrgbClr r="0" g="0" b="0"/>
+      </a:effectRef>
+      <a:fontRef idx="minor"/>
+    </dgm:style>
+  </dgm:styleLbl>
+  <dgm:styleLbl name="fgAcc4">
+    <dgm:scene3d>
+      <a:camera prst="orthographicFront"/>
+      <a:lightRig rig="threePt" dir="t"/>
+    </dgm:scene3d>
+    <dgm:sp3d/>
+    <dgm:txPr/>
+    <dgm:style>
+      <a:lnRef idx="2">
+        <a:scrgbClr r="0" g="0" b="0"/>
+      </a:lnRef>
+      <a:fillRef idx="1">
+        <a:scrgbClr r="0" g="0" b="0"/>
+      </a:fillRef>
+      <a:effectRef idx="0">
+        <a:scrgbClr r="0" g="0" b="0"/>
+      </a:effectRef>
+      <a:fontRef idx="minor"/>
+    </dgm:style>
+  </dgm:styleLbl>
+  <dgm:styleLbl name="bgShp">
+    <dgm:scene3d>
+      <a:camera prst="orthographicFront"/>
+      <a:lightRig rig="threePt" dir="t"/>
+    </dgm:scene3d>
+    <dgm:sp3d/>
+    <dgm:txPr/>
+    <dgm:style>
+      <a:lnRef idx="0">
+        <a:scrgbClr r="0" g="0" b="0"/>
+      </a:lnRef>
+      <a:fillRef idx="1">
+        <a:scrgbClr r="0" g="0" b="0"/>
+      </a:fillRef>
+      <a:effectRef idx="0">
+        <a:scrgbClr r="0" g="0" b="0"/>
+      </a:effectRef>
+      <a:fontRef idx="minor"/>
+    </dgm:style>
+  </dgm:styleLbl>
+  <dgm:styleLbl name="dkBgShp">
+    <dgm:scene3d>
+      <a:camera prst="orthographicFront"/>
+      <a:lightRig rig="threePt" dir="t"/>
+    </dgm:scene3d>
+    <dgm:sp3d/>
+    <dgm:txPr/>
+    <dgm:style>
+      <a:lnRef idx="0">
+        <a:scrgbClr r="0" g="0" b="0"/>
+      </a:lnRef>
+      <a:fillRef idx="1">
+        <a:scrgbClr r="0" g="0" b="0"/>
+      </a:fillRef>
+      <a:effectRef idx="0">
+        <a:scrgbClr r="0" g="0" b="0"/>
+      </a:effectRef>
+      <a:fontRef idx="minor"/>
+    </dgm:style>
+  </dgm:styleLbl>
+  <dgm:styleLbl name="trBgShp">
+    <dgm:scene3d>
+      <a:camera prst="orthographicFront"/>
+      <a:lightRig rig="threePt" dir="t"/>
+    </dgm:scene3d>
+    <dgm:sp3d/>
+    <dgm:txPr/>
+    <dgm:style>
+      <a:lnRef idx="0">
+        <a:scrgbClr r="0" g="0" b="0"/>
+      </a:lnRef>
+      <a:fillRef idx="1">
+        <a:scrgbClr r="0" g="0" b="0"/>
+      </a:fillRef>
+      <a:effectRef idx="0">
+        <a:scrgbClr r="0" g="0" b="0"/>
+      </a:effectRef>
+      <a:fontRef idx="minor"/>
+    </dgm:style>
+  </dgm:styleLbl>
+  <dgm:styleLbl name="fgShp">
+    <dgm:scene3d>
+      <a:camera prst="orthographicFront"/>
+      <a:lightRig rig="threePt" dir="t"/>
+    </dgm:scene3d>
+    <dgm:sp3d/>
+    <dgm:txPr/>
+    <dgm:style>
+      <a:lnRef idx="2">
+        <a:scrgbClr r="0" g="0" b="0"/>
+      </a:lnRef>
+      <a:fillRef idx="1">
+        <a:scrgbClr r="0" g="0" b="0"/>
+      </a:fillRef>
+      <a:effectRef idx="0">
+        <a:scrgbClr r="0" g="0" b="0"/>
+      </a:effectRef>
+      <a:fontRef idx="minor"/>
+    </dgm:style>
+  </dgm:styleLbl>
+  <dgm:styleLbl name="revTx">
+    <dgm:scene3d>
+      <a:camera prst="orthographicFront"/>
+      <a:lightRig rig="threePt" dir="t"/>
+    </dgm:scene3d>
+    <dgm:sp3d/>
+    <dgm:txPr/>
+    <dgm:style>
+      <a:lnRef idx="0">
+        <a:scrgbClr r="0" g="0" b="0"/>
+      </a:lnRef>
+      <a:fillRef idx="0">
+        <a:scrgbClr r="0" g="0" b="0"/>
+      </a:fillRef>
+      <a:effectRef idx="0">
+        <a:scrgbClr r="0" g="0" b="0"/>
+      </a:effectRef>
+      <a:fontRef idx="minor"/>
+    </dgm:style>
+  </dgm:styleLbl>
+</dgm:styleDef>
 </file>
 
 <file path=ppt/slideLayouts/slideLayout1.xml><?xml version="1.0" encoding="utf-8"?>
@@ -2626,7 +6429,7 @@
                 <a:latin typeface="+mj-lt"/>
               </a:rPr>
               <a:pPr defTabSz="762000"/>
-              <a:t>20/03/2024</a:t>
+              <a:t>24/03/2024</a:t>
             </a:fld>
             <a:endParaRPr lang="en-AU" sz="1800" b="0" dirty="0">
               <a:solidFill>
@@ -3613,6 +7416,247 @@
           <p:cNvPr id="2" name="Title 1">
             <a:extLst>
               <a:ext uri="{FF2B5EF4-FFF2-40B4-BE49-F238E27FC236}">
+                <a16:creationId xmlns:a16="http://schemas.microsoft.com/office/drawing/2014/main" id="{F0EF25DC-CBA8-12AF-C434-36E3E9F0BF95}"/>
+              </a:ext>
+            </a:extLst>
+          </p:cNvPr>
+          <p:cNvSpPr>
+            <a:spLocks noGrp="1"/>
+          </p:cNvSpPr>
+          <p:nvPr>
+            <p:ph type="title"/>
+          </p:nvPr>
+        </p:nvSpPr>
+        <p:spPr/>
+        <p:txBody>
+          <a:bodyPr/>
+          <a:lstStyle/>
+          <a:p>
+            <a:r>
+              <a:rPr lang="en-AU" dirty="0"/>
+              <a:t>Linux Kernel</a:t>
+            </a:r>
+          </a:p>
+        </p:txBody>
+      </p:sp>
+      <p:sp>
+        <p:nvSpPr>
+          <p:cNvPr id="3" name="Content Placeholder 2">
+            <a:extLst>
+              <a:ext uri="{FF2B5EF4-FFF2-40B4-BE49-F238E27FC236}">
+                <a16:creationId xmlns:a16="http://schemas.microsoft.com/office/drawing/2014/main" id="{1260B10F-7A01-4C23-2A14-2F41E2E9919D}"/>
+              </a:ext>
+            </a:extLst>
+          </p:cNvPr>
+          <p:cNvSpPr>
+            <a:spLocks noGrp="1"/>
+          </p:cNvSpPr>
+          <p:nvPr>
+            <p:ph idx="1"/>
+          </p:nvPr>
+        </p:nvSpPr>
+        <p:spPr>
+          <a:xfrm>
+            <a:off x="914400" y="1905000"/>
+            <a:ext cx="10363200" cy="2560122"/>
+          </a:xfrm>
+        </p:spPr>
+        <p:txBody>
+          <a:bodyPr/>
+          <a:lstStyle/>
+          <a:p>
+            <a:r>
+              <a:rPr lang="en-AU" dirty="0"/>
+              <a:t>Namespaces are a fundamental aspect of </a:t>
+            </a:r>
+            <a:r>
+              <a:rPr lang="en-AU" dirty="0">
+                <a:hlinkClick r:id="rId2" tooltip="Linux containers"/>
+              </a:rPr>
+              <a:t>containers</a:t>
+            </a:r>
+            <a:r>
+              <a:rPr lang="en-AU" dirty="0"/>
+              <a:t> in Linux. </a:t>
+            </a:r>
+          </a:p>
+          <a:p>
+            <a:r>
+              <a:rPr lang="en-AU" dirty="0"/>
+              <a:t>The kernel has a set of tables to manage the system</a:t>
+            </a:r>
+          </a:p>
+          <a:p>
+            <a:r>
+              <a:rPr lang="en-AU" dirty="0"/>
+              <a:t>Namespaces allow duplication of these tables for container isolation.</a:t>
+            </a:r>
+          </a:p>
+          <a:p>
+            <a:r>
+              <a:rPr lang="en-AU" dirty="0"/>
+              <a:t>Mount (</a:t>
+            </a:r>
+            <a:r>
+              <a:rPr lang="en-AU" dirty="0" err="1"/>
+              <a:t>mnt</a:t>
+            </a:r>
+            <a:r>
+              <a:rPr lang="en-AU" dirty="0"/>
+              <a:t>), Process ID (</a:t>
+            </a:r>
+            <a:r>
+              <a:rPr lang="en-AU" dirty="0" err="1"/>
+              <a:t>pid</a:t>
+            </a:r>
+            <a:r>
+              <a:rPr lang="en-AU" dirty="0"/>
+              <a:t>), Network (net), Inter-process Communication (</a:t>
+            </a:r>
+            <a:r>
+              <a:rPr lang="en-AU" dirty="0" err="1"/>
+              <a:t>ipc</a:t>
+            </a:r>
+            <a:r>
+              <a:rPr lang="en-AU" dirty="0"/>
+              <a:t>), UTS, User ID (user), Control group (</a:t>
+            </a:r>
+            <a:r>
+              <a:rPr lang="en-AU" dirty="0" err="1"/>
+              <a:t>cgroup</a:t>
+            </a:r>
+            <a:r>
+              <a:rPr lang="en-AU" dirty="0"/>
+              <a:t>) Namespace, Time Namespace</a:t>
+            </a:r>
+          </a:p>
+          <a:p>
+            <a:endParaRPr lang="en-AU" b="1" dirty="0"/>
+          </a:p>
+          <a:p>
+            <a:endParaRPr lang="en-AU" b="1" dirty="0"/>
+          </a:p>
+          <a:p>
+            <a:endParaRPr lang="en-AU" b="1" dirty="0"/>
+          </a:p>
+          <a:p>
+            <a:endParaRPr lang="en-AU" b="1" dirty="0"/>
+          </a:p>
+          <a:p>
+            <a:endParaRPr lang="en-AU" b="1" dirty="0"/>
+          </a:p>
+          <a:p>
+            <a:endParaRPr lang="en-AU" b="1" dirty="0"/>
+          </a:p>
+          <a:p>
+            <a:endParaRPr lang="en-AU" b="1" dirty="0"/>
+          </a:p>
+          <a:p>
+            <a:endParaRPr lang="en-AU" dirty="0"/>
+          </a:p>
+        </p:txBody>
+      </p:sp>
+      <p:sp>
+        <p:nvSpPr>
+          <p:cNvPr id="4" name="TextBox 3">
+            <a:extLst>
+              <a:ext uri="{FF2B5EF4-FFF2-40B4-BE49-F238E27FC236}">
+                <a16:creationId xmlns:a16="http://schemas.microsoft.com/office/drawing/2014/main" id="{F3109415-3881-792D-E299-5633EC4378DD}"/>
+              </a:ext>
+            </a:extLst>
+          </p:cNvPr>
+          <p:cNvSpPr txBox="1"/>
+          <p:nvPr/>
+        </p:nvSpPr>
+        <p:spPr>
+          <a:xfrm>
+            <a:off x="3665932" y="6078188"/>
+            <a:ext cx="4432624" cy="338554"/>
+          </a:xfrm>
+          <a:prstGeom prst="rect">
+            <a:avLst/>
+          </a:prstGeom>
+          <a:noFill/>
+        </p:spPr>
+        <p:txBody>
+          <a:bodyPr wrap="none" rtlCol="0">
+            <a:spAutoFit/>
+          </a:bodyPr>
+          <a:lstStyle/>
+          <a:p>
+            <a:r>
+              <a:rPr lang="en-AU" dirty="0"/>
+              <a:t>https://en.wikipedia.org/wiki/Linux_namespaces</a:t>
+            </a:r>
+          </a:p>
+        </p:txBody>
+      </p:sp>
+      <p:graphicFrame>
+        <p:nvGraphicFramePr>
+          <p:cNvPr id="5" name="Diagram 4">
+            <a:extLst>
+              <a:ext uri="{FF2B5EF4-FFF2-40B4-BE49-F238E27FC236}">
+                <a16:creationId xmlns:a16="http://schemas.microsoft.com/office/drawing/2014/main" id="{D3F2EB48-FBD0-15EE-B216-946C3BDA5742}"/>
+              </a:ext>
+            </a:extLst>
+          </p:cNvPr>
+          <p:cNvGraphicFramePr/>
+          <p:nvPr>
+            <p:extLst>
+              <p:ext uri="{D42A27DB-BD31-4B8C-83A1-F6EECF244321}">
+                <p14:modId xmlns:p14="http://schemas.microsoft.com/office/powerpoint/2010/main" val="1336168243"/>
+              </p:ext>
+            </p:extLst>
+          </p:nvPr>
+        </p:nvGraphicFramePr>
+        <p:xfrm>
+          <a:off x="1818244" y="4617522"/>
+          <a:ext cx="8128000" cy="1308266"/>
+        </p:xfrm>
+        <a:graphic>
+          <a:graphicData uri="http://schemas.openxmlformats.org/drawingml/2006/diagram">
+            <dgm:relIds xmlns:dgm="http://schemas.openxmlformats.org/drawingml/2006/diagram" xmlns:r="http://schemas.openxmlformats.org/officeDocument/2006/relationships" r:dm="rId3" r:lo="rId4" r:qs="rId5" r:cs="rId6"/>
+          </a:graphicData>
+        </a:graphic>
+      </p:graphicFrame>
+    </p:spTree>
+    <p:extLst>
+      <p:ext uri="{BB962C8B-B14F-4D97-AF65-F5344CB8AC3E}">
+        <p14:creationId xmlns:p14="http://schemas.microsoft.com/office/powerpoint/2010/main" val="1717246964"/>
+      </p:ext>
+    </p:extLst>
+  </p:cSld>
+  <p:clrMapOvr>
+    <a:masterClrMapping/>
+  </p:clrMapOvr>
+  <p:transition spd="med">
+    <p:pull dir="rd"/>
+  </p:transition>
+</p:sld>
+</file>
+
+<file path=ppt/slides/slide5.xml><?xml version="1.0" encoding="utf-8"?>
+<p:sld xmlns:a="http://schemas.openxmlformats.org/drawingml/2006/main" xmlns:r="http://schemas.openxmlformats.org/officeDocument/2006/relationships" xmlns:p="http://schemas.openxmlformats.org/presentationml/2006/main">
+  <p:cSld>
+    <p:spTree>
+      <p:nvGrpSpPr>
+        <p:cNvPr id="1" name=""/>
+        <p:cNvGrpSpPr/>
+        <p:nvPr/>
+      </p:nvGrpSpPr>
+      <p:grpSpPr>
+        <a:xfrm>
+          <a:off x="0" y="0"/>
+          <a:ext cx="0" cy="0"/>
+          <a:chOff x="0" y="0"/>
+          <a:chExt cx="0" cy="0"/>
+        </a:xfrm>
+      </p:grpSpPr>
+      <p:sp>
+        <p:nvSpPr>
+          <p:cNvPr id="2" name="Title 1">
+            <a:extLst>
+              <a:ext uri="{FF2B5EF4-FFF2-40B4-BE49-F238E27FC236}">
                 <a16:creationId xmlns:a16="http://schemas.microsoft.com/office/drawing/2014/main" id="{16B2FD20-61E7-0D7F-C434-4EEC119844AF}"/>
               </a:ext>
             </a:extLst>
@@ -3741,7 +7785,7 @@
 </p:sld>
 </file>
 
-<file path=ppt/slides/slide5.xml><?xml version="1.0" encoding="utf-8"?>
+<file path=ppt/slides/slide6.xml><?xml version="1.0" encoding="utf-8"?>
 <p:sld xmlns:a="http://schemas.openxmlformats.org/drawingml/2006/main" xmlns:r="http://schemas.openxmlformats.org/officeDocument/2006/relationships" xmlns:p="http://schemas.openxmlformats.org/presentationml/2006/main">
   <p:cSld>
     <p:spTree>
@@ -3876,7 +7920,7 @@
 </p:sld>
 </file>
 
-<file path=ppt/slides/slide6.xml><?xml version="1.0" encoding="utf-8"?>
+<file path=ppt/slides/slide7.xml><?xml version="1.0" encoding="utf-8"?>
 <p:sld xmlns:a="http://schemas.openxmlformats.org/drawingml/2006/main" xmlns:r="http://schemas.openxmlformats.org/officeDocument/2006/relationships" xmlns:p="http://schemas.openxmlformats.org/presentationml/2006/main">
   <p:cSld>
     <p:spTree>
